--- a/教材/5章_踏み台サーバーの構築(2層).pptx
+++ b/教材/5章_踏み台サーバーの構築(2層).pptx
@@ -28,24 +28,24 @@
   <p:notesSz cx="6858000" cy="9144000"/>
   <p:embeddedFontLst>
     <p:embeddedFont>
-      <p:font typeface="BIZ UDP明朝 Medium" panose="02020500000000000000" pitchFamily="18" charset="-128"/>
+      <p:font typeface="GulimChe" panose="020B0609000101010101" pitchFamily="49" charset="-127"/>
       <p:regular r:id="rId16"/>
     </p:embeddedFont>
     <p:embeddedFont>
+      <p:font typeface="BIZ UDP明朝 Medium" panose="02020500000000000000" pitchFamily="18" charset="-128"/>
+      <p:regular r:id="rId17"/>
+    </p:embeddedFont>
+    <p:embeddedFont>
       <p:font typeface="Calibri" panose="020F0502020204030204" pitchFamily="34" charset="0"/>
-      <p:regular r:id="rId17"/>
-      <p:bold r:id="rId18"/>
-      <p:italic r:id="rId19"/>
-      <p:boldItalic r:id="rId20"/>
+      <p:regular r:id="rId18"/>
+      <p:bold r:id="rId19"/>
+      <p:italic r:id="rId20"/>
+      <p:boldItalic r:id="rId21"/>
     </p:embeddedFont>
     <p:embeddedFont>
       <p:font typeface="Calibri Light" panose="020F0302020204030204" pitchFamily="34" charset="0"/>
-      <p:regular r:id="rId21"/>
-      <p:italic r:id="rId22"/>
-    </p:embeddedFont>
-    <p:embeddedFont>
-      <p:font typeface="GulimChe" panose="020B0609000101010101" pitchFamily="49" charset="-127"/>
-      <p:regular r:id="rId23"/>
+      <p:regular r:id="rId22"/>
+      <p:italic r:id="rId23"/>
     </p:embeddedFont>
     <p:embeddedFont>
       <p:font typeface="Malgun Gothic" panose="020B0503020000020004" pitchFamily="34" charset="-127"/>
@@ -184,7 +184,7 @@
 <file path=ppt/revisionInfo.xml><?xml version="1.0" encoding="utf-8"?>
 <p1510:revInfo xmlns:a="http://schemas.openxmlformats.org/drawingml/2006/main" xmlns:r="http://schemas.openxmlformats.org/officeDocument/2006/relationships" xmlns:p1510="http://schemas.microsoft.com/office/powerpoint/2015/10/main">
   <p1510:revLst>
-    <p1510:client id="{73A23987-D80F-440C-906D-36C23BCC7B17}" v="55" dt="2023-01-02T04:43:33.895"/>
+    <p1510:client id="{CABE754B-C340-43CB-81A9-3BF2C7931AFA}" v="4" dt="2023-02-07T13:40:33.064"/>
   </p1510:revLst>
 </p1510:revInfo>
 </file>
@@ -1343,45 +1343,6 @@
     </pc:docChg>
   </pc:docChgLst>
   <pc:docChgLst>
-    <pc:chgData name="尾嵜 成真" userId="dd95f81a979e9056" providerId="LiveId" clId="{4AE731A8-771B-4059-BD1F-4064A0027A78}"/>
-    <pc:docChg chg="modSld">
-      <pc:chgData name="尾嵜 成真" userId="dd95f81a979e9056" providerId="LiveId" clId="{4AE731A8-771B-4059-BD1F-4064A0027A78}" dt="2022-12-03T13:22:01.505" v="209" actId="113"/>
-      <pc:docMkLst>
-        <pc:docMk/>
-      </pc:docMkLst>
-      <pc:sldChg chg="modSp mod">
-        <pc:chgData name="尾嵜 成真" userId="dd95f81a979e9056" providerId="LiveId" clId="{4AE731A8-771B-4059-BD1F-4064A0027A78}" dt="2022-12-03T13:22:01.505" v="209" actId="113"/>
-        <pc:sldMkLst>
-          <pc:docMk/>
-          <pc:sldMk cId="0" sldId="293"/>
-        </pc:sldMkLst>
-        <pc:spChg chg="mod">
-          <ac:chgData name="尾嵜 成真" userId="dd95f81a979e9056" providerId="LiveId" clId="{4AE731A8-771B-4059-BD1F-4064A0027A78}" dt="2022-12-03T13:22:01.505" v="209" actId="113"/>
-          <ac:spMkLst>
-            <pc:docMk/>
-            <pc:sldMk cId="0" sldId="293"/>
-            <ac:spMk id="7" creationId="{00000000-0000-0000-0000-000000000000}"/>
-          </ac:spMkLst>
-        </pc:spChg>
-      </pc:sldChg>
-      <pc:sldChg chg="modSp mod">
-        <pc:chgData name="尾嵜 成真" userId="dd95f81a979e9056" providerId="LiveId" clId="{4AE731A8-771B-4059-BD1F-4064A0027A78}" dt="2022-12-03T13:20:05.613" v="206" actId="6549"/>
-        <pc:sldMkLst>
-          <pc:docMk/>
-          <pc:sldMk cId="1868244200" sldId="302"/>
-        </pc:sldMkLst>
-        <pc:spChg chg="mod">
-          <ac:chgData name="尾嵜 成真" userId="dd95f81a979e9056" providerId="LiveId" clId="{4AE731A8-771B-4059-BD1F-4064A0027A78}" dt="2022-12-03T13:20:05.613" v="206" actId="6549"/>
-          <ac:spMkLst>
-            <pc:docMk/>
-            <pc:sldMk cId="1868244200" sldId="302"/>
-            <ac:spMk id="10" creationId="{4C8D8093-D708-E46A-39FD-79BFCCF8875B}"/>
-          </ac:spMkLst>
-        </pc:spChg>
-      </pc:sldChg>
-    </pc:docChg>
-  </pc:docChgLst>
-  <pc:docChgLst>
     <pc:chgData name="尾嵜 成真" userId="dd95f81a979e9056" providerId="LiveId" clId="{4403B42C-96B3-4353-8966-81E9C558190C}"/>
     <pc:docChg chg="undo custSel delSld modSld">
       <pc:chgData name="尾嵜 成真" userId="dd95f81a979e9056" providerId="LiveId" clId="{4403B42C-96B3-4353-8966-81E9C558190C}" dt="2022-12-03T12:45:46.934" v="117" actId="207"/>
@@ -2698,6 +2659,218 @@
     </pc:docChg>
   </pc:docChgLst>
   <pc:docChgLst>
+    <pc:chgData name="尾嵜 成真" userId="dd95f81a979e9056" providerId="LiveId" clId="{CABE754B-C340-43CB-81A9-3BF2C7931AFA}"/>
+    <pc:docChg chg="undo custSel modSld">
+      <pc:chgData name="尾嵜 成真" userId="dd95f81a979e9056" providerId="LiveId" clId="{CABE754B-C340-43CB-81A9-3BF2C7931AFA}" dt="2023-02-07T13:49:52.152" v="57" actId="6549"/>
+      <pc:docMkLst>
+        <pc:docMk/>
+      </pc:docMkLst>
+      <pc:sldChg chg="addSp delSp modSp mod">
+        <pc:chgData name="尾嵜 成真" userId="dd95f81a979e9056" providerId="LiveId" clId="{CABE754B-C340-43CB-81A9-3BF2C7931AFA}" dt="2023-02-07T13:40:33.064" v="26"/>
+        <pc:sldMkLst>
+          <pc:docMk/>
+          <pc:sldMk cId="1793902739" sldId="305"/>
+        </pc:sldMkLst>
+        <pc:spChg chg="add del mod">
+          <ac:chgData name="尾嵜 成真" userId="dd95f81a979e9056" providerId="LiveId" clId="{CABE754B-C340-43CB-81A9-3BF2C7931AFA}" dt="2023-02-07T13:38:38.578" v="1" actId="21"/>
+          <ac:spMkLst>
+            <pc:docMk/>
+            <pc:sldMk cId="1793902739" sldId="305"/>
+            <ac:spMk id="4" creationId="{0F341FDF-C07F-D148-C670-2E358A66FA00}"/>
+          </ac:spMkLst>
+        </pc:spChg>
+        <pc:spChg chg="add del mod">
+          <ac:chgData name="尾嵜 成真" userId="dd95f81a979e9056" providerId="LiveId" clId="{CABE754B-C340-43CB-81A9-3BF2C7931AFA}" dt="2023-02-07T13:39:04.050" v="3" actId="478"/>
+          <ac:spMkLst>
+            <pc:docMk/>
+            <pc:sldMk cId="1793902739" sldId="305"/>
+            <ac:spMk id="6" creationId="{0C03B253-222E-D16F-BC38-F049853C9C75}"/>
+          </ac:spMkLst>
+        </pc:spChg>
+        <pc:spChg chg="add mod">
+          <ac:chgData name="尾嵜 成真" userId="dd95f81a979e9056" providerId="LiveId" clId="{CABE754B-C340-43CB-81A9-3BF2C7931AFA}" dt="2023-02-07T13:40:33.064" v="26"/>
+          <ac:spMkLst>
+            <pc:docMk/>
+            <pc:sldMk cId="1793902739" sldId="305"/>
+            <ac:spMk id="7" creationId="{8069892C-6177-B0C6-3319-50BA07376E14}"/>
+          </ac:spMkLst>
+        </pc:spChg>
+        <pc:spChg chg="add del">
+          <ac:chgData name="尾嵜 成真" userId="dd95f81a979e9056" providerId="LiveId" clId="{CABE754B-C340-43CB-81A9-3BF2C7931AFA}" dt="2023-02-07T13:39:01.449" v="2" actId="478"/>
+          <ac:spMkLst>
+            <pc:docMk/>
+            <pc:sldMk cId="1793902739" sldId="305"/>
+            <ac:spMk id="10" creationId="{4C8D8093-D708-E46A-39FD-79BFCCF8875B}"/>
+          </ac:spMkLst>
+        </pc:spChg>
+        <pc:graphicFrameChg chg="del">
+          <ac:chgData name="尾嵜 成真" userId="dd95f81a979e9056" providerId="LiveId" clId="{CABE754B-C340-43CB-81A9-3BF2C7931AFA}" dt="2023-02-07T13:39:15.884" v="5" actId="21"/>
+          <ac:graphicFrameMkLst>
+            <pc:docMk/>
+            <pc:sldMk cId="1793902739" sldId="305"/>
+            <ac:graphicFrameMk id="2" creationId="{7B87186C-A8B4-ED74-004E-2B74DDD0A081}"/>
+          </ac:graphicFrameMkLst>
+        </pc:graphicFrameChg>
+        <pc:graphicFrameChg chg="add mod">
+          <ac:chgData name="尾嵜 成真" userId="dd95f81a979e9056" providerId="LiveId" clId="{CABE754B-C340-43CB-81A9-3BF2C7931AFA}" dt="2023-02-07T13:39:16.254" v="6"/>
+          <ac:graphicFrameMkLst>
+            <pc:docMk/>
+            <pc:sldMk cId="1793902739" sldId="305"/>
+            <ac:graphicFrameMk id="8" creationId="{2A1924B4-F25C-49F1-0351-F38FAB06F238}"/>
+          </ac:graphicFrameMkLst>
+        </pc:graphicFrameChg>
+        <pc:graphicFrameChg chg="add mod">
+          <ac:chgData name="尾嵜 成真" userId="dd95f81a979e9056" providerId="LiveId" clId="{CABE754B-C340-43CB-81A9-3BF2C7931AFA}" dt="2023-02-07T13:39:16.254" v="6"/>
+          <ac:graphicFrameMkLst>
+            <pc:docMk/>
+            <pc:sldMk cId="1793902739" sldId="305"/>
+            <ac:graphicFrameMk id="9" creationId="{37A39EBE-BEF9-09CE-CA35-787020800EF2}"/>
+          </ac:graphicFrameMkLst>
+        </pc:graphicFrameChg>
+        <pc:graphicFrameChg chg="add mod">
+          <ac:chgData name="尾嵜 成真" userId="dd95f81a979e9056" providerId="LiveId" clId="{CABE754B-C340-43CB-81A9-3BF2C7931AFA}" dt="2023-02-07T13:39:24.914" v="7" actId="1076"/>
+          <ac:graphicFrameMkLst>
+            <pc:docMk/>
+            <pc:sldMk cId="1793902739" sldId="305"/>
+            <ac:graphicFrameMk id="11" creationId="{DB74CDA9-1ECE-CEDA-9691-9975118D133F}"/>
+          </ac:graphicFrameMkLst>
+        </pc:graphicFrameChg>
+        <pc:graphicFrameChg chg="add mod">
+          <ac:chgData name="尾嵜 成真" userId="dd95f81a979e9056" providerId="LiveId" clId="{CABE754B-C340-43CB-81A9-3BF2C7931AFA}" dt="2023-02-07T13:40:01.048" v="12" actId="1076"/>
+          <ac:graphicFrameMkLst>
+            <pc:docMk/>
+            <pc:sldMk cId="1793902739" sldId="305"/>
+            <ac:graphicFrameMk id="12" creationId="{5E3ADC92-0781-1F1A-4BB5-849C859B6C96}"/>
+          </ac:graphicFrameMkLst>
+        </pc:graphicFrameChg>
+        <pc:graphicFrameChg chg="add mod">
+          <ac:chgData name="尾嵜 成真" userId="dd95f81a979e9056" providerId="LiveId" clId="{CABE754B-C340-43CB-81A9-3BF2C7931AFA}" dt="2023-02-07T13:39:46.123" v="10" actId="1076"/>
+          <ac:graphicFrameMkLst>
+            <pc:docMk/>
+            <pc:sldMk cId="1793902739" sldId="305"/>
+            <ac:graphicFrameMk id="13" creationId="{79246881-C184-AABB-89F6-9A479B1A88CA}"/>
+          </ac:graphicFrameMkLst>
+        </pc:graphicFrameChg>
+        <pc:graphicFrameChg chg="del">
+          <ac:chgData name="尾嵜 成真" userId="dd95f81a979e9056" providerId="LiveId" clId="{CABE754B-C340-43CB-81A9-3BF2C7931AFA}" dt="2023-02-07T13:39:15.884" v="5" actId="21"/>
+          <ac:graphicFrameMkLst>
+            <pc:docMk/>
+            <pc:sldMk cId="1793902739" sldId="305"/>
+            <ac:graphicFrameMk id="25" creationId="{3CFF4B47-98A9-D733-0321-B17F59799447}"/>
+          </ac:graphicFrameMkLst>
+        </pc:graphicFrameChg>
+        <pc:graphicFrameChg chg="del">
+          <ac:chgData name="尾嵜 成真" userId="dd95f81a979e9056" providerId="LiveId" clId="{CABE754B-C340-43CB-81A9-3BF2C7931AFA}" dt="2023-02-07T13:39:15.884" v="5" actId="21"/>
+          <ac:graphicFrameMkLst>
+            <pc:docMk/>
+            <pc:sldMk cId="1793902739" sldId="305"/>
+            <ac:graphicFrameMk id="30" creationId="{214E2012-FCD6-F5BF-3BAB-B787756B59E3}"/>
+          </ac:graphicFrameMkLst>
+        </pc:graphicFrameChg>
+        <pc:graphicFrameChg chg="del">
+          <ac:chgData name="尾嵜 成真" userId="dd95f81a979e9056" providerId="LiveId" clId="{CABE754B-C340-43CB-81A9-3BF2C7931AFA}" dt="2023-02-07T13:39:15.884" v="5" actId="21"/>
+          <ac:graphicFrameMkLst>
+            <pc:docMk/>
+            <pc:sldMk cId="1793902739" sldId="305"/>
+            <ac:graphicFrameMk id="31" creationId="{48DC726C-6E54-B2D0-3B8B-B4BA03014533}"/>
+          </ac:graphicFrameMkLst>
+        </pc:graphicFrameChg>
+        <pc:graphicFrameChg chg="del">
+          <ac:chgData name="尾嵜 成真" userId="dd95f81a979e9056" providerId="LiveId" clId="{CABE754B-C340-43CB-81A9-3BF2C7931AFA}" dt="2023-02-07T13:39:15.884" v="5" actId="21"/>
+          <ac:graphicFrameMkLst>
+            <pc:docMk/>
+            <pc:sldMk cId="1793902739" sldId="305"/>
+            <ac:graphicFrameMk id="32" creationId="{09633478-8EA1-EC49-9A21-449910C52C1D}"/>
+          </ac:graphicFrameMkLst>
+        </pc:graphicFrameChg>
+      </pc:sldChg>
+      <pc:sldChg chg="modSp mod">
+        <pc:chgData name="尾嵜 成真" userId="dd95f81a979e9056" providerId="LiveId" clId="{CABE754B-C340-43CB-81A9-3BF2C7931AFA}" dt="2023-02-07T13:40:42.029" v="27" actId="1076"/>
+        <pc:sldMkLst>
+          <pc:docMk/>
+          <pc:sldMk cId="3198427016" sldId="306"/>
+        </pc:sldMkLst>
+        <pc:graphicFrameChg chg="mod">
+          <ac:chgData name="尾嵜 成真" userId="dd95f81a979e9056" providerId="LiveId" clId="{CABE754B-C340-43CB-81A9-3BF2C7931AFA}" dt="2023-02-07T13:40:42.029" v="27" actId="1076"/>
+          <ac:graphicFrameMkLst>
+            <pc:docMk/>
+            <pc:sldMk cId="3198427016" sldId="306"/>
+            <ac:graphicFrameMk id="2" creationId="{4A46E109-EF54-CBF0-8FCA-158AEC5AE535}"/>
+          </ac:graphicFrameMkLst>
+        </pc:graphicFrameChg>
+      </pc:sldChg>
+      <pc:sldChg chg="modSp mod">
+        <pc:chgData name="尾嵜 成真" userId="dd95f81a979e9056" providerId="LiveId" clId="{CABE754B-C340-43CB-81A9-3BF2C7931AFA}" dt="2023-02-07T13:48:03.100" v="50" actId="113"/>
+        <pc:sldMkLst>
+          <pc:docMk/>
+          <pc:sldMk cId="2225451864" sldId="307"/>
+        </pc:sldMkLst>
+        <pc:spChg chg="mod">
+          <ac:chgData name="尾嵜 成真" userId="dd95f81a979e9056" providerId="LiveId" clId="{CABE754B-C340-43CB-81A9-3BF2C7931AFA}" dt="2023-02-07T13:48:03.100" v="50" actId="113"/>
+          <ac:spMkLst>
+            <pc:docMk/>
+            <pc:sldMk cId="2225451864" sldId="307"/>
+            <ac:spMk id="10" creationId="{4C8D8093-D708-E46A-39FD-79BFCCF8875B}"/>
+          </ac:spMkLst>
+        </pc:spChg>
+        <pc:picChg chg="mod">
+          <ac:chgData name="尾嵜 成真" userId="dd95f81a979e9056" providerId="LiveId" clId="{CABE754B-C340-43CB-81A9-3BF2C7931AFA}" dt="2023-02-07T13:42:09.109" v="45" actId="1076"/>
+          <ac:picMkLst>
+            <pc:docMk/>
+            <pc:sldMk cId="2225451864" sldId="307"/>
+            <ac:picMk id="11" creationId="{1ACF21D3-D8A0-95FC-ACFB-2A1BBB31652D}"/>
+          </ac:picMkLst>
+        </pc:picChg>
+      </pc:sldChg>
+      <pc:sldChg chg="modSp mod">
+        <pc:chgData name="尾嵜 成真" userId="dd95f81a979e9056" providerId="LiveId" clId="{CABE754B-C340-43CB-81A9-3BF2C7931AFA}" dt="2023-02-07T13:42:40.247" v="46" actId="14100"/>
+        <pc:sldMkLst>
+          <pc:docMk/>
+          <pc:sldMk cId="84514218" sldId="387"/>
+        </pc:sldMkLst>
+        <pc:picChg chg="mod">
+          <ac:chgData name="尾嵜 成真" userId="dd95f81a979e9056" providerId="LiveId" clId="{CABE754B-C340-43CB-81A9-3BF2C7931AFA}" dt="2023-02-07T13:42:40.247" v="46" actId="14100"/>
+          <ac:picMkLst>
+            <pc:docMk/>
+            <pc:sldMk cId="84514218" sldId="387"/>
+            <ac:picMk id="7" creationId="{24E42516-2684-30AE-B93C-6A50153AD3E4}"/>
+          </ac:picMkLst>
+        </pc:picChg>
+      </pc:sldChg>
+      <pc:sldChg chg="modSp mod">
+        <pc:chgData name="尾嵜 成真" userId="dd95f81a979e9056" providerId="LiveId" clId="{CABE754B-C340-43CB-81A9-3BF2C7931AFA}" dt="2023-02-07T13:49:52.152" v="57" actId="6549"/>
+        <pc:sldMkLst>
+          <pc:docMk/>
+          <pc:sldMk cId="1462542911" sldId="389"/>
+        </pc:sldMkLst>
+        <pc:spChg chg="mod">
+          <ac:chgData name="尾嵜 成真" userId="dd95f81a979e9056" providerId="LiveId" clId="{CABE754B-C340-43CB-81A9-3BF2C7931AFA}" dt="2023-02-07T13:49:52.152" v="57" actId="6549"/>
+          <ac:spMkLst>
+            <pc:docMk/>
+            <pc:sldMk cId="1462542911" sldId="389"/>
+            <ac:spMk id="10" creationId="{4C8D8093-D708-E46A-39FD-79BFCCF8875B}"/>
+          </ac:spMkLst>
+        </pc:spChg>
+        <pc:spChg chg="mod">
+          <ac:chgData name="尾嵜 成真" userId="dd95f81a979e9056" providerId="LiveId" clId="{CABE754B-C340-43CB-81A9-3BF2C7931AFA}" dt="2023-02-07T13:49:18.893" v="56" actId="1076"/>
+          <ac:spMkLst>
+            <pc:docMk/>
+            <pc:sldMk cId="1462542911" sldId="389"/>
+            <ac:spMk id="11" creationId="{DA7BACB7-ACAE-5CBA-5E5B-5284CE30F9E1}"/>
+          </ac:spMkLst>
+        </pc:spChg>
+        <pc:picChg chg="mod">
+          <ac:chgData name="尾嵜 成真" userId="dd95f81a979e9056" providerId="LiveId" clId="{CABE754B-C340-43CB-81A9-3BF2C7931AFA}" dt="2023-02-07T13:49:18.893" v="56" actId="1076"/>
+          <ac:picMkLst>
+            <pc:docMk/>
+            <pc:sldMk cId="1462542911" sldId="389"/>
+            <ac:picMk id="9" creationId="{82DFDD48-0BCC-9160-1F4E-AC1150275258}"/>
+          </ac:picMkLst>
+        </pc:picChg>
+      </pc:sldChg>
+    </pc:docChg>
+  </pc:docChgLst>
+  <pc:docChgLst>
     <pc:chgData name="尾嵜 成真" userId="dd95f81a979e9056" providerId="LiveId" clId="{FCC2AE78-7B2A-4B8A-87F2-2039D47FE252}"/>
     <pc:docChg chg="undo redo custSel addSld delSld modSld sldOrd">
       <pc:chgData name="尾嵜 成真" userId="dd95f81a979e9056" providerId="LiveId" clId="{FCC2AE78-7B2A-4B8A-87F2-2039D47FE252}" dt="2022-12-28T11:44:27.539" v="4922" actId="478"/>
@@ -3478,6 +3651,45 @@
           <pc:docMk/>
           <pc:sldMk cId="427717550" sldId="389"/>
         </pc:sldMkLst>
+      </pc:sldChg>
+    </pc:docChg>
+  </pc:docChgLst>
+  <pc:docChgLst>
+    <pc:chgData name="尾嵜 成真" userId="dd95f81a979e9056" providerId="LiveId" clId="{4AE731A8-771B-4059-BD1F-4064A0027A78}"/>
+    <pc:docChg chg="modSld">
+      <pc:chgData name="尾嵜 成真" userId="dd95f81a979e9056" providerId="LiveId" clId="{4AE731A8-771B-4059-BD1F-4064A0027A78}" dt="2022-12-03T13:22:01.505" v="209" actId="113"/>
+      <pc:docMkLst>
+        <pc:docMk/>
+      </pc:docMkLst>
+      <pc:sldChg chg="modSp mod">
+        <pc:chgData name="尾嵜 成真" userId="dd95f81a979e9056" providerId="LiveId" clId="{4AE731A8-771B-4059-BD1F-4064A0027A78}" dt="2022-12-03T13:22:01.505" v="209" actId="113"/>
+        <pc:sldMkLst>
+          <pc:docMk/>
+          <pc:sldMk cId="0" sldId="293"/>
+        </pc:sldMkLst>
+        <pc:spChg chg="mod">
+          <ac:chgData name="尾嵜 成真" userId="dd95f81a979e9056" providerId="LiveId" clId="{4AE731A8-771B-4059-BD1F-4064A0027A78}" dt="2022-12-03T13:22:01.505" v="209" actId="113"/>
+          <ac:spMkLst>
+            <pc:docMk/>
+            <pc:sldMk cId="0" sldId="293"/>
+            <ac:spMk id="7" creationId="{00000000-0000-0000-0000-000000000000}"/>
+          </ac:spMkLst>
+        </pc:spChg>
+      </pc:sldChg>
+      <pc:sldChg chg="modSp mod">
+        <pc:chgData name="尾嵜 成真" userId="dd95f81a979e9056" providerId="LiveId" clId="{4AE731A8-771B-4059-BD1F-4064A0027A78}" dt="2022-12-03T13:20:05.613" v="206" actId="6549"/>
+        <pc:sldMkLst>
+          <pc:docMk/>
+          <pc:sldMk cId="1868244200" sldId="302"/>
+        </pc:sldMkLst>
+        <pc:spChg chg="mod">
+          <ac:chgData name="尾嵜 成真" userId="dd95f81a979e9056" providerId="LiveId" clId="{4AE731A8-771B-4059-BD1F-4064A0027A78}" dt="2022-12-03T13:20:05.613" v="206" actId="6549"/>
+          <ac:spMkLst>
+            <pc:docMk/>
+            <pc:sldMk cId="1868244200" sldId="302"/>
+            <ac:spMk id="10" creationId="{4C8D8093-D708-E46A-39FD-79BFCCF8875B}"/>
+          </ac:spMkLst>
+        </pc:spChg>
       </pc:sldChg>
     </pc:docChg>
   </pc:docChgLst>
@@ -3567,7 +3779,7 @@
             <a:fld id="{D4CCFBE2-2B8D-499C-81C9-2CD5B3EB8E93}" type="datetimeFigureOut">
               <a:rPr lang="ko-KR" altLang="en-US" smtClean="0"/>
               <a:pPr/>
-              <a:t>2023-01-22</a:t>
+              <a:t>2023-02-07</a:t>
             </a:fld>
             <a:endParaRPr lang="ko-KR" altLang="en-US"/>
           </a:p>
@@ -3734,7 +3946,7 @@
             <a:fld id="{FB545AC5-813F-4ED1-B011-8EA17CB93331}" type="datetimeFigureOut">
               <a:rPr lang="ko-KR" altLang="en-US" smtClean="0"/>
               <a:pPr/>
-              <a:t>2023-01-22</a:t>
+              <a:t>2023-02-07</a:t>
             </a:fld>
             <a:endParaRPr lang="ko-KR" altLang="en-US"/>
           </a:p>
@@ -4156,7 +4368,7 @@
             <a:fld id="{ED3D6733-6F27-4404-AB51-585418F146E5}" type="datetimeFigureOut">
               <a:rPr lang="ko-KR" altLang="en-US" smtClean="0"/>
               <a:pPr/>
-              <a:t>2023-01-22</a:t>
+              <a:t>2023-02-07</a:t>
             </a:fld>
             <a:endParaRPr lang="ko-KR" altLang="en-US"/>
           </a:p>
@@ -4341,7 +4553,7 @@
             <a:fld id="{ED3D6733-6F27-4404-AB51-585418F146E5}" type="datetimeFigureOut">
               <a:rPr lang="ko-KR" altLang="en-US" smtClean="0"/>
               <a:pPr/>
-              <a:t>2023-01-22</a:t>
+              <a:t>2023-02-07</a:t>
             </a:fld>
             <a:endParaRPr lang="ko-KR" altLang="en-US"/>
           </a:p>
@@ -4479,7 +4691,7 @@
             <a:fld id="{ED3D6733-6F27-4404-AB51-585418F146E5}" type="datetimeFigureOut">
               <a:rPr lang="ko-KR" altLang="en-US" smtClean="0"/>
               <a:pPr/>
-              <a:t>2023-01-22</a:t>
+              <a:t>2023-02-07</a:t>
             </a:fld>
             <a:endParaRPr lang="ko-KR" altLang="en-US"/>
           </a:p>
@@ -4692,7 +4904,7 @@
             <a:fld id="{ED3D6733-6F27-4404-AB51-585418F146E5}" type="datetimeFigureOut">
               <a:rPr lang="ko-KR" altLang="en-US" smtClean="0"/>
               <a:pPr/>
-              <a:t>2023-01-22</a:t>
+              <a:t>2023-02-07</a:t>
             </a:fld>
             <a:endParaRPr lang="ko-KR" altLang="en-US"/>
           </a:p>
@@ -4969,7 +5181,7 @@
             <a:fld id="{ED3D6733-6F27-4404-AB51-585418F146E5}" type="datetimeFigureOut">
               <a:rPr lang="ko-KR" altLang="en-US" smtClean="0"/>
               <a:pPr/>
-              <a:t>2023-01-22</a:t>
+              <a:t>2023-02-07</a:t>
             </a:fld>
             <a:endParaRPr lang="ko-KR" altLang="en-US"/>
           </a:p>
@@ -5292,7 +5504,7 @@
             <a:fld id="{ED3D6733-6F27-4404-AB51-585418F146E5}" type="datetimeFigureOut">
               <a:rPr lang="ko-KR" altLang="en-US" smtClean="0"/>
               <a:pPr/>
-              <a:t>2023-01-22</a:t>
+              <a:t>2023-02-07</a:t>
             </a:fld>
             <a:endParaRPr lang="ko-KR" altLang="en-US"/>
           </a:p>
@@ -5565,7 +5777,7 @@
             <a:fld id="{ED3D6733-6F27-4404-AB51-585418F146E5}" type="datetimeFigureOut">
               <a:rPr lang="ko-KR" altLang="en-US" smtClean="0"/>
               <a:pPr/>
-              <a:t>2023-01-22</a:t>
+              <a:t>2023-02-07</a:t>
             </a:fld>
             <a:endParaRPr lang="ko-KR" altLang="en-US"/>
           </a:p>
@@ -9977,10 +10189,115 @@
       </p:grpSpPr>
       <p:sp>
         <p:nvSpPr>
-          <p:cNvPr id="10" name="내용 개체 틀 5">
+          <p:cNvPr id="28" name="제목 1">
             <a:extLst>
               <a:ext uri="{FF2B5EF4-FFF2-40B4-BE49-F238E27FC236}">
-                <a16:creationId xmlns:a16="http://schemas.microsoft.com/office/drawing/2014/main" id="{4C8D8093-D708-E46A-39FD-79BFCCF8875B}"/>
+                <a16:creationId xmlns:a16="http://schemas.microsoft.com/office/drawing/2014/main" id="{B0F217A8-646C-15BA-6733-F4B0F1014565}"/>
+              </a:ext>
+            </a:extLst>
+          </p:cNvPr>
+          <p:cNvSpPr>
+            <a:spLocks noGrp="1"/>
+          </p:cNvSpPr>
+          <p:nvPr>
+            <p:ph type="title"/>
+          </p:nvPr>
+        </p:nvSpPr>
+        <p:spPr>
+          <a:xfrm>
+            <a:off x="395536" y="0"/>
+            <a:ext cx="2664296" cy="481492"/>
+          </a:xfrm>
+        </p:spPr>
+        <p:txBody>
+          <a:bodyPr>
+            <a:normAutofit/>
+          </a:bodyPr>
+          <a:lstStyle/>
+          <a:p>
+            <a:r>
+              <a:rPr lang="en-US" altLang="ja-JP" sz="1600" dirty="0">
+                <a:latin typeface="BIZ UDP明朝 Medium" panose="02020500000000000000" pitchFamily="18" charset="-128"/>
+                <a:ea typeface="BIZ UDP明朝 Medium" panose="02020500000000000000" pitchFamily="18" charset="-128"/>
+              </a:rPr>
+              <a:t>01 </a:t>
+            </a:r>
+            <a:r>
+              <a:rPr lang="ja-JP" altLang="en-US" sz="1600" dirty="0">
+                <a:latin typeface="BIZ UDP明朝 Medium" panose="02020500000000000000" pitchFamily="18" charset="-128"/>
+                <a:ea typeface="BIZ UDP明朝 Medium" panose="02020500000000000000" pitchFamily="18" charset="-128"/>
+              </a:rPr>
+              <a:t>構成</a:t>
+            </a:r>
+            <a:endParaRPr lang="ko-KR" altLang="en-US" sz="1600" dirty="0">
+              <a:latin typeface="BIZ UDP明朝 Medium" panose="02020500000000000000" pitchFamily="18" charset="-128"/>
+            </a:endParaRPr>
+          </a:p>
+        </p:txBody>
+      </p:sp>
+      <p:sp>
+        <p:nvSpPr>
+          <p:cNvPr id="29" name="제목 1">
+            <a:extLst>
+              <a:ext uri="{FF2B5EF4-FFF2-40B4-BE49-F238E27FC236}">
+                <a16:creationId xmlns:a16="http://schemas.microsoft.com/office/drawing/2014/main" id="{A17934AB-FCC8-3776-1635-6E61D9A7D43B}"/>
+              </a:ext>
+            </a:extLst>
+          </p:cNvPr>
+          <p:cNvSpPr txBox="1">
+            <a:spLocks/>
+          </p:cNvSpPr>
+          <p:nvPr/>
+        </p:nvSpPr>
+        <p:spPr>
+          <a:xfrm>
+            <a:off x="395536" y="417112"/>
+            <a:ext cx="7661196" cy="580884"/>
+          </a:xfrm>
+          <a:prstGeom prst="rect">
+            <a:avLst/>
+          </a:prstGeom>
+        </p:spPr>
+        <p:txBody>
+          <a:bodyPr vert="horz" lIns="91440" tIns="45720" rIns="91440" bIns="45720" rtlCol="0" anchor="ctr">
+            <a:normAutofit/>
+          </a:bodyPr>
+          <a:lstStyle>
+            <a:lvl1pPr algn="l" defTabSz="914400" rtl="0" eaLnBrk="1" latinLnBrk="1" hangingPunct="1">
+              <a:spcBef>
+                <a:spcPct val="0"/>
+              </a:spcBef>
+              <a:buNone/>
+              <a:defRPr lang="ko-KR" altLang="en-US" sz="2500" b="1" kern="1200" baseline="0" dirty="0">
+                <a:solidFill>
+                  <a:schemeClr val="bg1"/>
+                </a:solidFill>
+                <a:latin typeface="+mj-lt"/>
+                <a:ea typeface="맑은 고딕" pitchFamily="50" charset="-127"/>
+                <a:cs typeface="+mj-cs"/>
+              </a:defRPr>
+            </a:lvl1pPr>
+          </a:lstStyle>
+          <a:p>
+            <a:r>
+              <a:rPr lang="ja-JP" altLang="en-US" sz="2400" dirty="0">
+                <a:solidFill>
+                  <a:schemeClr val="tx1"/>
+                </a:solidFill>
+                <a:latin typeface="BIZ UDP明朝 Medium" panose="02020500000000000000" pitchFamily="18" charset="-128"/>
+                <a:ea typeface="BIZ UDP明朝 Medium" panose="02020500000000000000" pitchFamily="18" charset="-128"/>
+              </a:rPr>
+              <a:t>パラメータ</a:t>
+            </a:r>
+          </a:p>
+        </p:txBody>
+      </p:sp>
+      <p:sp>
+        <p:nvSpPr>
+          <p:cNvPr id="7" name="내용 개체 틀 5">
+            <a:extLst>
+              <a:ext uri="{FF2B5EF4-FFF2-40B4-BE49-F238E27FC236}">
+                <a16:creationId xmlns:a16="http://schemas.microsoft.com/office/drawing/2014/main" id="{8069892C-6177-B0C6-3319-50BA07376E14}"/>
               </a:ext>
             </a:extLst>
           </p:cNvPr>
@@ -9994,7 +10311,7 @@
         <p:spPr>
           <a:xfrm>
             <a:off x="395536" y="1124744"/>
-            <a:ext cx="8402525" cy="5400600"/>
+            <a:ext cx="8402525" cy="5733256"/>
           </a:xfrm>
           <a:solidFill>
             <a:schemeClr val="bg1"/>
@@ -10008,34 +10325,284 @@
           <a:p>
             <a:pPr marL="0" indent="0"/>
             <a:r>
-              <a:rPr lang="en-US" altLang="ja-JP" sz="1200" i="0">
+              <a:rPr lang="ja-JP" altLang="en-US" sz="1200" i="0" dirty="0">
                 <a:solidFill>
                   <a:schemeClr val="tx1"/>
                 </a:solidFill>
                 <a:latin typeface="BIZ UDP明朝 Medium" panose="02020500000000000000" pitchFamily="18" charset="-128"/>
                 <a:ea typeface="BIZ UDP明朝 Medium" panose="02020500000000000000" pitchFamily="18" charset="-128"/>
               </a:rPr>
-              <a:t>BIZ UDP</a:t>
-            </a:r>
-            <a:r>
-              <a:rPr lang="ja-JP" altLang="en-US" sz="1200" i="0">
+              <a:t>・リージョン</a:t>
+            </a:r>
+            <a:endParaRPr lang="en-US" altLang="ja-JP" sz="1200" i="0" dirty="0">
+              <a:solidFill>
+                <a:schemeClr val="tx1"/>
+              </a:solidFill>
+              <a:latin typeface="BIZ UDP明朝 Medium" panose="02020500000000000000" pitchFamily="18" charset="-128"/>
+              <a:ea typeface="BIZ UDP明朝 Medium" panose="02020500000000000000" pitchFamily="18" charset="-128"/>
+            </a:endParaRPr>
+          </a:p>
+          <a:p>
+            <a:pPr marL="0" indent="0"/>
+            <a:endParaRPr lang="en-US" altLang="ko-KR" sz="1200" i="0" dirty="0">
+              <a:solidFill>
+                <a:schemeClr val="tx1"/>
+              </a:solidFill>
+              <a:latin typeface="BIZ UDP明朝 Medium" panose="02020500000000000000" pitchFamily="18" charset="-128"/>
+              <a:ea typeface="BIZ UDP明朝 Medium" panose="02020500000000000000" pitchFamily="18" charset="-128"/>
+            </a:endParaRPr>
+          </a:p>
+          <a:p>
+            <a:pPr marL="0" indent="0"/>
+            <a:endParaRPr lang="en-US" altLang="ko-KR" sz="1200" i="0" dirty="0">
+              <a:solidFill>
+                <a:schemeClr val="tx1"/>
+              </a:solidFill>
+              <a:latin typeface="BIZ UDP明朝 Medium" panose="02020500000000000000" pitchFamily="18" charset="-128"/>
+              <a:ea typeface="BIZ UDP明朝 Medium" panose="02020500000000000000" pitchFamily="18" charset="-128"/>
+            </a:endParaRPr>
+          </a:p>
+          <a:p>
+            <a:pPr marL="0" indent="0"/>
+            <a:endParaRPr lang="en-US" altLang="ja-JP" sz="1200" i="0" dirty="0">
+              <a:solidFill>
+                <a:schemeClr val="tx1"/>
+              </a:solidFill>
+              <a:latin typeface="BIZ UDP明朝 Medium" panose="02020500000000000000" pitchFamily="18" charset="-128"/>
+              <a:ea typeface="BIZ UDP明朝 Medium" panose="02020500000000000000" pitchFamily="18" charset="-128"/>
+            </a:endParaRPr>
+          </a:p>
+          <a:p>
+            <a:pPr marL="0" indent="0"/>
+            <a:endParaRPr lang="en-US" altLang="ja-JP" sz="1200" i="0" dirty="0">
+              <a:solidFill>
+                <a:schemeClr val="tx1"/>
+              </a:solidFill>
+              <a:latin typeface="BIZ UDP明朝 Medium" panose="02020500000000000000" pitchFamily="18" charset="-128"/>
+              <a:ea typeface="BIZ UDP明朝 Medium" panose="02020500000000000000" pitchFamily="18" charset="-128"/>
+            </a:endParaRPr>
+          </a:p>
+          <a:p>
+            <a:pPr marL="0" indent="0"/>
+            <a:r>
+              <a:rPr lang="ja-JP" altLang="en-US" sz="1200" i="0" dirty="0">
                 <a:solidFill>
                   <a:schemeClr val="tx1"/>
                 </a:solidFill>
                 <a:latin typeface="BIZ UDP明朝 Medium" panose="02020500000000000000" pitchFamily="18" charset="-128"/>
                 <a:ea typeface="BIZ UDP明朝 Medium" panose="02020500000000000000" pitchFamily="18" charset="-128"/>
               </a:rPr>
-              <a:t>明朝 </a:t>
-            </a:r>
-            <a:r>
-              <a:rPr lang="en-US" altLang="ja-JP" sz="1200" i="0">
+              <a:t>・</a:t>
+            </a:r>
+            <a:r>
+              <a:rPr lang="en-US" altLang="ja-JP" sz="1200" i="0" dirty="0">
                 <a:solidFill>
                   <a:schemeClr val="tx1"/>
                 </a:solidFill>
                 <a:latin typeface="BIZ UDP明朝 Medium" panose="02020500000000000000" pitchFamily="18" charset="-128"/>
                 <a:ea typeface="BIZ UDP明朝 Medium" panose="02020500000000000000" pitchFamily="18" charset="-128"/>
               </a:rPr>
-              <a:t>Medium</a:t>
+              <a:t>VPC</a:t>
+            </a:r>
+          </a:p>
+          <a:p>
+            <a:pPr marL="0" indent="0"/>
+            <a:endParaRPr lang="en-US" altLang="ko-KR" sz="1200" i="0" dirty="0">
+              <a:solidFill>
+                <a:schemeClr val="tx1"/>
+              </a:solidFill>
+              <a:latin typeface="BIZ UDP明朝 Medium" panose="02020500000000000000" pitchFamily="18" charset="-128"/>
+              <a:ea typeface="BIZ UDP明朝 Medium" panose="02020500000000000000" pitchFamily="18" charset="-128"/>
+            </a:endParaRPr>
+          </a:p>
+          <a:p>
+            <a:pPr marL="0" indent="0"/>
+            <a:endParaRPr lang="en-US" altLang="ko-KR" sz="1200" i="0" dirty="0">
+              <a:solidFill>
+                <a:schemeClr val="tx1"/>
+              </a:solidFill>
+              <a:latin typeface="BIZ UDP明朝 Medium" panose="02020500000000000000" pitchFamily="18" charset="-128"/>
+              <a:ea typeface="BIZ UDP明朝 Medium" panose="02020500000000000000" pitchFamily="18" charset="-128"/>
+            </a:endParaRPr>
+          </a:p>
+          <a:p>
+            <a:pPr marL="0" indent="0"/>
+            <a:endParaRPr lang="en-US" altLang="ko-KR" sz="1200" i="0" dirty="0">
+              <a:solidFill>
+                <a:schemeClr val="tx1"/>
+              </a:solidFill>
+              <a:latin typeface="BIZ UDP明朝 Medium" panose="02020500000000000000" pitchFamily="18" charset="-128"/>
+              <a:ea typeface="BIZ UDP明朝 Medium" panose="02020500000000000000" pitchFamily="18" charset="-128"/>
+            </a:endParaRPr>
+          </a:p>
+          <a:p>
+            <a:pPr marL="0" indent="0"/>
+            <a:endParaRPr lang="en-US" altLang="ja-JP" sz="1200" i="0" dirty="0">
+              <a:solidFill>
+                <a:schemeClr val="tx1"/>
+              </a:solidFill>
+              <a:latin typeface="BIZ UDP明朝 Medium" panose="02020500000000000000" pitchFamily="18" charset="-128"/>
+              <a:ea typeface="BIZ UDP明朝 Medium" panose="02020500000000000000" pitchFamily="18" charset="-128"/>
+            </a:endParaRPr>
+          </a:p>
+          <a:p>
+            <a:pPr marL="0" indent="0"/>
+            <a:r>
+              <a:rPr lang="ja-JP" altLang="en-US" sz="1200" i="0" dirty="0">
+                <a:solidFill>
+                  <a:schemeClr val="tx1"/>
+                </a:solidFill>
+                <a:latin typeface="BIZ UDP明朝 Medium" panose="02020500000000000000" pitchFamily="18" charset="-128"/>
+                <a:ea typeface="BIZ UDP明朝 Medium" panose="02020500000000000000" pitchFamily="18" charset="-128"/>
+              </a:rPr>
+              <a:t>・サブネット</a:t>
+            </a:r>
+            <a:endParaRPr lang="en-US" altLang="ja-JP" sz="1200" i="0" dirty="0">
+              <a:solidFill>
+                <a:schemeClr val="tx1"/>
+              </a:solidFill>
+              <a:latin typeface="BIZ UDP明朝 Medium" panose="02020500000000000000" pitchFamily="18" charset="-128"/>
+              <a:ea typeface="BIZ UDP明朝 Medium" panose="02020500000000000000" pitchFamily="18" charset="-128"/>
+            </a:endParaRPr>
+          </a:p>
+          <a:p>
+            <a:pPr marL="0" indent="0"/>
+            <a:endParaRPr lang="en-US" altLang="ko-KR" sz="1200" i="0" dirty="0">
+              <a:solidFill>
+                <a:schemeClr val="tx1"/>
+              </a:solidFill>
+              <a:latin typeface="BIZ UDP明朝 Medium" panose="02020500000000000000" pitchFamily="18" charset="-128"/>
+              <a:ea typeface="BIZ UDP明朝 Medium" panose="02020500000000000000" pitchFamily="18" charset="-128"/>
+            </a:endParaRPr>
+          </a:p>
+          <a:p>
+            <a:pPr marL="0" indent="0"/>
+            <a:endParaRPr lang="en-US" altLang="ko-KR" sz="1200" i="0" dirty="0">
+              <a:solidFill>
+                <a:schemeClr val="tx1"/>
+              </a:solidFill>
+              <a:latin typeface="BIZ UDP明朝 Medium" panose="02020500000000000000" pitchFamily="18" charset="-128"/>
+              <a:ea typeface="BIZ UDP明朝 Medium" panose="02020500000000000000" pitchFamily="18" charset="-128"/>
+            </a:endParaRPr>
+          </a:p>
+          <a:p>
+            <a:pPr marL="0" indent="0"/>
+            <a:endParaRPr lang="en-US" altLang="ko-KR" sz="1200" i="0" dirty="0">
+              <a:solidFill>
+                <a:schemeClr val="tx1"/>
+              </a:solidFill>
+              <a:latin typeface="BIZ UDP明朝 Medium" panose="02020500000000000000" pitchFamily="18" charset="-128"/>
+              <a:ea typeface="BIZ UDP明朝 Medium" panose="02020500000000000000" pitchFamily="18" charset="-128"/>
+            </a:endParaRPr>
+          </a:p>
+          <a:p>
+            <a:pPr marL="0" indent="0"/>
+            <a:endParaRPr lang="en-US" altLang="ja-JP" sz="1200" i="0" dirty="0">
+              <a:solidFill>
+                <a:schemeClr val="tx1"/>
+              </a:solidFill>
+              <a:latin typeface="BIZ UDP明朝 Medium" panose="02020500000000000000" pitchFamily="18" charset="-128"/>
+              <a:ea typeface="BIZ UDP明朝 Medium" panose="02020500000000000000" pitchFamily="18" charset="-128"/>
+            </a:endParaRPr>
+          </a:p>
+          <a:p>
+            <a:pPr marL="0" indent="0"/>
+            <a:endParaRPr lang="en-US" altLang="ja-JP" sz="1200" i="0" dirty="0">
+              <a:solidFill>
+                <a:schemeClr val="tx1"/>
+              </a:solidFill>
+              <a:latin typeface="BIZ UDP明朝 Medium" panose="02020500000000000000" pitchFamily="18" charset="-128"/>
+              <a:ea typeface="BIZ UDP明朝 Medium" panose="02020500000000000000" pitchFamily="18" charset="-128"/>
+            </a:endParaRPr>
+          </a:p>
+          <a:p>
+            <a:pPr marL="0" indent="0"/>
+            <a:r>
+              <a:rPr lang="ja-JP" altLang="en-US" sz="1200" i="0" dirty="0">
+                <a:solidFill>
+                  <a:schemeClr val="tx1"/>
+                </a:solidFill>
+                <a:latin typeface="BIZ UDP明朝 Medium" panose="02020500000000000000" pitchFamily="18" charset="-128"/>
+                <a:ea typeface="BIZ UDP明朝 Medium" panose="02020500000000000000" pitchFamily="18" charset="-128"/>
+              </a:rPr>
+              <a:t>・</a:t>
+            </a:r>
+            <a:r>
+              <a:rPr lang="en-US" altLang="ja-JP" sz="1200" i="0" dirty="0" err="1">
+                <a:solidFill>
+                  <a:schemeClr val="tx1"/>
+                </a:solidFill>
+                <a:latin typeface="BIZ UDP明朝 Medium" panose="02020500000000000000" pitchFamily="18" charset="-128"/>
+                <a:ea typeface="BIZ UDP明朝 Medium" panose="02020500000000000000" pitchFamily="18" charset="-128"/>
+              </a:rPr>
+              <a:t>InternetGateway</a:t>
+            </a:r>
+            <a:endParaRPr lang="en-US" altLang="ja-JP" sz="1200" i="0" dirty="0">
+              <a:solidFill>
+                <a:schemeClr val="tx1"/>
+              </a:solidFill>
+              <a:latin typeface="BIZ UDP明朝 Medium" panose="02020500000000000000" pitchFamily="18" charset="-128"/>
+              <a:ea typeface="BIZ UDP明朝 Medium" panose="02020500000000000000" pitchFamily="18" charset="-128"/>
+            </a:endParaRPr>
+          </a:p>
+          <a:p>
+            <a:pPr marL="0" indent="0"/>
+            <a:endParaRPr lang="en-US" altLang="ko-KR" sz="1200" i="0" dirty="0">
+              <a:solidFill>
+                <a:schemeClr val="tx1"/>
+              </a:solidFill>
+              <a:latin typeface="BIZ UDP明朝 Medium" panose="02020500000000000000" pitchFamily="18" charset="-128"/>
+              <a:ea typeface="BIZ UDP明朝 Medium" panose="02020500000000000000" pitchFamily="18" charset="-128"/>
+            </a:endParaRPr>
+          </a:p>
+          <a:p>
+            <a:pPr marL="0" indent="0"/>
+            <a:endParaRPr lang="en-US" altLang="ko-KR" sz="1200" i="0" dirty="0">
+              <a:solidFill>
+                <a:schemeClr val="tx1"/>
+              </a:solidFill>
+              <a:latin typeface="BIZ UDP明朝 Medium" panose="02020500000000000000" pitchFamily="18" charset="-128"/>
+              <a:ea typeface="BIZ UDP明朝 Medium" panose="02020500000000000000" pitchFamily="18" charset="-128"/>
+            </a:endParaRPr>
+          </a:p>
+          <a:p>
+            <a:pPr marL="0" indent="0"/>
+            <a:endParaRPr lang="en-US" altLang="ko-KR" sz="1200" i="0" dirty="0">
+              <a:solidFill>
+                <a:schemeClr val="tx1"/>
+              </a:solidFill>
+              <a:latin typeface="BIZ UDP明朝 Medium" panose="02020500000000000000" pitchFamily="18" charset="-128"/>
+              <a:ea typeface="BIZ UDP明朝 Medium" panose="02020500000000000000" pitchFamily="18" charset="-128"/>
+            </a:endParaRPr>
+          </a:p>
+          <a:p>
+            <a:pPr marL="0" indent="0"/>
+            <a:endParaRPr lang="en-US" altLang="ja-JP" sz="1200" i="0" dirty="0">
+              <a:solidFill>
+                <a:schemeClr val="tx1"/>
+              </a:solidFill>
+              <a:latin typeface="BIZ UDP明朝 Medium" panose="02020500000000000000" pitchFamily="18" charset="-128"/>
+            </a:endParaRPr>
+          </a:p>
+          <a:p>
+            <a:pPr marL="0" indent="0"/>
+            <a:r>
+              <a:rPr lang="ja-JP" altLang="en-US" sz="1200" i="0" dirty="0">
+                <a:solidFill>
+                  <a:schemeClr val="tx1"/>
+                </a:solidFill>
+                <a:latin typeface="BIZ UDP明朝 Medium" panose="02020500000000000000" pitchFamily="18" charset="-128"/>
+              </a:rPr>
+              <a:t>・</a:t>
+            </a:r>
+            <a:r>
+              <a:rPr lang="en-US" altLang="ja-JP" sz="1200" i="0" dirty="0" err="1">
+                <a:solidFill>
+                  <a:schemeClr val="tx1"/>
+                </a:solidFill>
+                <a:latin typeface="BIZ UDP明朝 Medium" panose="02020500000000000000" pitchFamily="18" charset="-128"/>
+              </a:rPr>
+              <a:t>NatGateway</a:t>
             </a:r>
             <a:endParaRPr lang="ko-KR" altLang="en-US" sz="1200" i="0" dirty="0">
               <a:solidFill>
@@ -10048,10 +10615,10 @@
       </p:sp>
       <p:graphicFrame>
         <p:nvGraphicFramePr>
-          <p:cNvPr id="25" name="表 25">
+          <p:cNvPr id="8" name="表 25">
             <a:extLst>
               <a:ext uri="{FF2B5EF4-FFF2-40B4-BE49-F238E27FC236}">
-                <a16:creationId xmlns:a16="http://schemas.microsoft.com/office/drawing/2014/main" id="{3CFF4B47-98A9-D733-0321-B17F59799447}"/>
+                <a16:creationId xmlns:a16="http://schemas.microsoft.com/office/drawing/2014/main" id="{2A1924B4-F25C-49F1-0351-F38FAB06F238}"/>
               </a:ext>
             </a:extLst>
           </p:cNvPr>
@@ -10061,7 +10628,7 @@
           <p:nvPr>
             <p:extLst>
               <p:ext uri="{D42A27DB-BD31-4B8C-83A1-F6EECF244321}">
-                <p14:modId xmlns:p14="http://schemas.microsoft.com/office/powerpoint/2010/main" val="1460836977"/>
+                <p14:modId xmlns:p14="http://schemas.microsoft.com/office/powerpoint/2010/main" val="3011531456"/>
               </p:ext>
             </p:extLst>
           </p:nvPr>
@@ -10249,117 +10816,12 @@
           </a:graphicData>
         </a:graphic>
       </p:graphicFrame>
-      <p:sp>
-        <p:nvSpPr>
-          <p:cNvPr id="28" name="제목 1">
+      <p:graphicFrame>
+        <p:nvGraphicFramePr>
+          <p:cNvPr id="9" name="表 25">
             <a:extLst>
               <a:ext uri="{FF2B5EF4-FFF2-40B4-BE49-F238E27FC236}">
-                <a16:creationId xmlns:a16="http://schemas.microsoft.com/office/drawing/2014/main" id="{B0F217A8-646C-15BA-6733-F4B0F1014565}"/>
-              </a:ext>
-            </a:extLst>
-          </p:cNvPr>
-          <p:cNvSpPr>
-            <a:spLocks noGrp="1"/>
-          </p:cNvSpPr>
-          <p:nvPr>
-            <p:ph type="title"/>
-          </p:nvPr>
-        </p:nvSpPr>
-        <p:spPr>
-          <a:xfrm>
-            <a:off x="395536" y="0"/>
-            <a:ext cx="2664296" cy="481492"/>
-          </a:xfrm>
-        </p:spPr>
-        <p:txBody>
-          <a:bodyPr>
-            <a:normAutofit/>
-          </a:bodyPr>
-          <a:lstStyle/>
-          <a:p>
-            <a:r>
-              <a:rPr lang="en-US" altLang="ja-JP" sz="1600" dirty="0">
-                <a:latin typeface="BIZ UDP明朝 Medium" panose="02020500000000000000" pitchFamily="18" charset="-128"/>
-                <a:ea typeface="BIZ UDP明朝 Medium" panose="02020500000000000000" pitchFamily="18" charset="-128"/>
-              </a:rPr>
-              <a:t>01 </a:t>
-            </a:r>
-            <a:r>
-              <a:rPr lang="ja-JP" altLang="en-US" sz="1600" dirty="0">
-                <a:latin typeface="BIZ UDP明朝 Medium" panose="02020500000000000000" pitchFamily="18" charset="-128"/>
-                <a:ea typeface="BIZ UDP明朝 Medium" panose="02020500000000000000" pitchFamily="18" charset="-128"/>
-              </a:rPr>
-              <a:t>構成</a:t>
-            </a:r>
-            <a:endParaRPr lang="ko-KR" altLang="en-US" sz="1600" dirty="0">
-              <a:latin typeface="BIZ UDP明朝 Medium" panose="02020500000000000000" pitchFamily="18" charset="-128"/>
-            </a:endParaRPr>
-          </a:p>
-        </p:txBody>
-      </p:sp>
-      <p:sp>
-        <p:nvSpPr>
-          <p:cNvPr id="29" name="제목 1">
-            <a:extLst>
-              <a:ext uri="{FF2B5EF4-FFF2-40B4-BE49-F238E27FC236}">
-                <a16:creationId xmlns:a16="http://schemas.microsoft.com/office/drawing/2014/main" id="{A17934AB-FCC8-3776-1635-6E61D9A7D43B}"/>
-              </a:ext>
-            </a:extLst>
-          </p:cNvPr>
-          <p:cNvSpPr txBox="1">
-            <a:spLocks/>
-          </p:cNvSpPr>
-          <p:nvPr/>
-        </p:nvSpPr>
-        <p:spPr>
-          <a:xfrm>
-            <a:off x="395536" y="417112"/>
-            <a:ext cx="7661196" cy="580884"/>
-          </a:xfrm>
-          <a:prstGeom prst="rect">
-            <a:avLst/>
-          </a:prstGeom>
-        </p:spPr>
-        <p:txBody>
-          <a:bodyPr vert="horz" lIns="91440" tIns="45720" rIns="91440" bIns="45720" rtlCol="0" anchor="ctr">
-            <a:normAutofit/>
-          </a:bodyPr>
-          <a:lstStyle>
-            <a:lvl1pPr algn="l" defTabSz="914400" rtl="0" eaLnBrk="1" latinLnBrk="1" hangingPunct="1">
-              <a:spcBef>
-                <a:spcPct val="0"/>
-              </a:spcBef>
-              <a:buNone/>
-              <a:defRPr lang="ko-KR" altLang="en-US" sz="2500" b="1" kern="1200" baseline="0" dirty="0">
-                <a:solidFill>
-                  <a:schemeClr val="bg1"/>
-                </a:solidFill>
-                <a:latin typeface="+mj-lt"/>
-                <a:ea typeface="맑은 고딕" pitchFamily="50" charset="-127"/>
-                <a:cs typeface="+mj-cs"/>
-              </a:defRPr>
-            </a:lvl1pPr>
-          </a:lstStyle>
-          <a:p>
-            <a:r>
-              <a:rPr lang="ja-JP" altLang="en-US" sz="2400" dirty="0">
-                <a:solidFill>
-                  <a:schemeClr val="tx1"/>
-                </a:solidFill>
-                <a:latin typeface="BIZ UDP明朝 Medium" panose="02020500000000000000" pitchFamily="18" charset="-128"/>
-                <a:ea typeface="BIZ UDP明朝 Medium" panose="02020500000000000000" pitchFamily="18" charset="-128"/>
-              </a:rPr>
-              <a:t>パラメータ</a:t>
-            </a:r>
-          </a:p>
-        </p:txBody>
-      </p:sp>
-      <p:graphicFrame>
-        <p:nvGraphicFramePr>
-          <p:cNvPr id="30" name="表 25">
-            <a:extLst>
-              <a:ext uri="{FF2B5EF4-FFF2-40B4-BE49-F238E27FC236}">
-                <a16:creationId xmlns:a16="http://schemas.microsoft.com/office/drawing/2014/main" id="{214E2012-FCD6-F5BF-3BAB-B787756B59E3}"/>
+                <a16:creationId xmlns:a16="http://schemas.microsoft.com/office/drawing/2014/main" id="{37A39EBE-BEF9-09CE-CA35-787020800EF2}"/>
               </a:ext>
             </a:extLst>
           </p:cNvPr>
@@ -10369,7 +10831,7 @@
           <p:nvPr>
             <p:extLst>
               <p:ext uri="{D42A27DB-BD31-4B8C-83A1-F6EECF244321}">
-                <p14:modId xmlns:p14="http://schemas.microsoft.com/office/powerpoint/2010/main" val="2811693707"/>
+                <p14:modId xmlns:p14="http://schemas.microsoft.com/office/powerpoint/2010/main" val="487910106"/>
               </p:ext>
             </p:extLst>
           </p:nvPr>
@@ -10736,10 +11198,10 @@
       </p:graphicFrame>
       <p:graphicFrame>
         <p:nvGraphicFramePr>
-          <p:cNvPr id="31" name="表 25">
+          <p:cNvPr id="11" name="表 25">
             <a:extLst>
               <a:ext uri="{FF2B5EF4-FFF2-40B4-BE49-F238E27FC236}">
-                <a16:creationId xmlns:a16="http://schemas.microsoft.com/office/drawing/2014/main" id="{48DC726C-6E54-B2D0-3B8B-B4BA03014533}"/>
+                <a16:creationId xmlns:a16="http://schemas.microsoft.com/office/drawing/2014/main" id="{DB74CDA9-1ECE-CEDA-9691-9975118D133F}"/>
               </a:ext>
             </a:extLst>
           </p:cNvPr>
@@ -10749,13 +11211,13 @@
           <p:nvPr>
             <p:extLst>
               <p:ext uri="{D42A27DB-BD31-4B8C-83A1-F6EECF244321}">
-                <p14:modId xmlns:p14="http://schemas.microsoft.com/office/powerpoint/2010/main" val="4282046152"/>
+                <p14:modId xmlns:p14="http://schemas.microsoft.com/office/powerpoint/2010/main" val="2845767690"/>
               </p:ext>
             </p:extLst>
           </p:nvPr>
         </p:nvGraphicFramePr>
         <p:xfrm>
-          <a:off x="521092" y="3551763"/>
+          <a:off x="521092" y="3583832"/>
           <a:ext cx="6188632" cy="822960"/>
         </p:xfrm>
         <a:graphic>
@@ -11805,10 +12267,10 @@
       </p:graphicFrame>
       <p:graphicFrame>
         <p:nvGraphicFramePr>
-          <p:cNvPr id="32" name="表 25">
+          <p:cNvPr id="12" name="表 25">
             <a:extLst>
               <a:ext uri="{FF2B5EF4-FFF2-40B4-BE49-F238E27FC236}">
-                <a16:creationId xmlns:a16="http://schemas.microsoft.com/office/drawing/2014/main" id="{09633478-8EA1-EC49-9A21-449910C52C1D}"/>
+                <a16:creationId xmlns:a16="http://schemas.microsoft.com/office/drawing/2014/main" id="{5E3ADC92-0781-1F1A-4BB5-849C859B6C96}"/>
               </a:ext>
             </a:extLst>
           </p:cNvPr>
@@ -11818,7 +12280,7 @@
           <p:nvPr>
             <p:extLst>
               <p:ext uri="{D42A27DB-BD31-4B8C-83A1-F6EECF244321}">
-                <p14:modId xmlns:p14="http://schemas.microsoft.com/office/powerpoint/2010/main" val="2925665230"/>
+                <p14:modId xmlns:p14="http://schemas.microsoft.com/office/powerpoint/2010/main" val="1161053735"/>
               </p:ext>
             </p:extLst>
           </p:nvPr>
@@ -12195,10 +12657,10 @@
       </p:graphicFrame>
       <p:graphicFrame>
         <p:nvGraphicFramePr>
-          <p:cNvPr id="2" name="表 25">
+          <p:cNvPr id="13" name="表 25">
             <a:extLst>
               <a:ext uri="{FF2B5EF4-FFF2-40B4-BE49-F238E27FC236}">
-                <a16:creationId xmlns:a16="http://schemas.microsoft.com/office/drawing/2014/main" id="{7B87186C-A8B4-ED74-004E-2B74DDD0A081}"/>
+                <a16:creationId xmlns:a16="http://schemas.microsoft.com/office/drawing/2014/main" id="{79246881-C184-AABB-89F6-9A479B1A88CA}"/>
               </a:ext>
             </a:extLst>
           </p:cNvPr>
@@ -12208,13 +12670,13 @@
           <p:nvPr>
             <p:extLst>
               <p:ext uri="{D42A27DB-BD31-4B8C-83A1-F6EECF244321}">
-                <p14:modId xmlns:p14="http://schemas.microsoft.com/office/powerpoint/2010/main" val="1471783819"/>
+                <p14:modId xmlns:p14="http://schemas.microsoft.com/office/powerpoint/2010/main" val="1875391180"/>
               </p:ext>
             </p:extLst>
           </p:nvPr>
         </p:nvGraphicFramePr>
         <p:xfrm>
-          <a:off x="521092" y="5995124"/>
+          <a:off x="521092" y="6009626"/>
           <a:ext cx="6188632" cy="548640"/>
         </p:xfrm>
         <a:graphic>
@@ -13344,13 +13806,13 @@
           <p:nvPr>
             <p:extLst>
               <p:ext uri="{D42A27DB-BD31-4B8C-83A1-F6EECF244321}">
-                <p14:modId xmlns:p14="http://schemas.microsoft.com/office/powerpoint/2010/main" val="945146250"/>
+                <p14:modId xmlns:p14="http://schemas.microsoft.com/office/powerpoint/2010/main" val="1496404931"/>
               </p:ext>
             </p:extLst>
           </p:nvPr>
         </p:nvGraphicFramePr>
         <p:xfrm>
-          <a:off x="426158" y="3112475"/>
+          <a:off x="426158" y="3175153"/>
           <a:ext cx="3672408" cy="822960"/>
         </p:xfrm>
         <a:graphic>
@@ -18146,195 +18608,18 @@
                 <a:latin typeface="BIZ UDP明朝 Medium" panose="02020500000000000000" pitchFamily="18" charset="-128"/>
                 <a:ea typeface="BIZ UDP明朝 Medium" panose="02020500000000000000" pitchFamily="18" charset="-128"/>
               </a:rPr>
-              <a:t>　</a:t>
-            </a:r>
-            <a:r>
-              <a:rPr lang="en-US" altLang="ja-JP" b="1" i="0" dirty="0">
+              <a:t>・</a:t>
+            </a:r>
+            <a:r>
+              <a:rPr lang="en-US" altLang="ja-JP" b="1" i="0" dirty="0" err="1">
                 <a:solidFill>
                   <a:srgbClr val="F6882E"/>
                 </a:solidFill>
-                <a:latin typeface="BIZ UDP明朝 Medium" panose="02020500000000000000" pitchFamily="18" charset="-128"/>
-                <a:ea typeface="BIZ UDP明朝 Medium" panose="02020500000000000000" pitchFamily="18" charset="-128"/>
-              </a:rPr>
-              <a:t>NGW</a:t>
-            </a:r>
-            <a:r>
-              <a:rPr lang="ja-JP" altLang="en-US" b="1" i="0" dirty="0">
-                <a:solidFill>
-                  <a:srgbClr val="F6882E"/>
-                </a:solidFill>
-                <a:latin typeface="BIZ UDP明朝 Medium" panose="02020500000000000000" pitchFamily="18" charset="-128"/>
-                <a:ea typeface="BIZ UDP明朝 Medium" panose="02020500000000000000" pitchFamily="18" charset="-128"/>
-              </a:rPr>
-              <a:t>（</a:t>
-            </a:r>
-            <a:r>
-              <a:rPr lang="en-US" altLang="ja-JP" b="1" i="0" dirty="0" err="1">
-                <a:solidFill>
-                  <a:srgbClr val="F6882E"/>
-                </a:solidFill>
                 <a:effectLst/>
                 <a:latin typeface="BIZ UDP明朝 Medium" panose="02020500000000000000" pitchFamily="18" charset="-128"/>
                 <a:ea typeface="BIZ UDP明朝 Medium" panose="02020500000000000000" pitchFamily="18" charset="-128"/>
               </a:rPr>
               <a:t>NatGateway</a:t>
-            </a:r>
-            <a:r>
-              <a:rPr lang="ja-JP" altLang="en-US" b="1" i="0" dirty="0">
-                <a:solidFill>
-                  <a:srgbClr val="F6882E"/>
-                </a:solidFill>
-                <a:effectLst/>
-                <a:latin typeface="BIZ UDP明朝 Medium" panose="02020500000000000000" pitchFamily="18" charset="-128"/>
-                <a:ea typeface="BIZ UDP明朝 Medium" panose="02020500000000000000" pitchFamily="18" charset="-128"/>
-              </a:rPr>
-              <a:t>）</a:t>
-            </a:r>
-            <a:r>
-              <a:rPr lang="ja-JP" altLang="en-US" b="0" i="0" dirty="0">
-                <a:solidFill>
-                  <a:srgbClr val="374151"/>
-                </a:solidFill>
-                <a:effectLst/>
-                <a:latin typeface="BIZ UDP明朝 Medium" panose="02020500000000000000" pitchFamily="18" charset="-128"/>
-                <a:ea typeface="BIZ UDP明朝 Medium" panose="02020500000000000000" pitchFamily="18" charset="-128"/>
-              </a:rPr>
-              <a:t>は</a:t>
-            </a:r>
-            <a:r>
-              <a:rPr lang="ja-JP" altLang="en-US" b="0" i="0" u="heavy" dirty="0">
-                <a:solidFill>
-                  <a:srgbClr val="374151"/>
-                </a:solidFill>
-                <a:effectLst/>
-                <a:uFill>
-                  <a:solidFill>
-                    <a:srgbClr val="F6882E"/>
-                  </a:solidFill>
-                </a:uFill>
-                <a:latin typeface="BIZ UDP明朝 Medium" panose="02020500000000000000" pitchFamily="18" charset="-128"/>
-                <a:ea typeface="BIZ UDP明朝 Medium" panose="02020500000000000000" pitchFamily="18" charset="-128"/>
-              </a:rPr>
-              <a:t>プライベートサブネット内のインスタンスからインターネットにアクセスするためのゲートウェイ</a:t>
-            </a:r>
-            <a:r>
-              <a:rPr lang="ja-JP" altLang="en-US" b="0" i="0" dirty="0">
-                <a:solidFill>
-                  <a:srgbClr val="374151"/>
-                </a:solidFill>
-                <a:effectLst/>
-                <a:latin typeface="BIZ UDP明朝 Medium" panose="02020500000000000000" pitchFamily="18" charset="-128"/>
-                <a:ea typeface="BIZ UDP明朝 Medium" panose="02020500000000000000" pitchFamily="18" charset="-128"/>
-              </a:rPr>
-              <a:t>を提供します。プライベートサブネット内のインスタンスは、</a:t>
-            </a:r>
-            <a:r>
-              <a:rPr lang="en-US" altLang="ja-JP" b="0" i="0" dirty="0">
-                <a:solidFill>
-                  <a:srgbClr val="374151"/>
-                </a:solidFill>
-                <a:effectLst/>
-                <a:latin typeface="BIZ UDP明朝 Medium" panose="02020500000000000000" pitchFamily="18" charset="-128"/>
-                <a:ea typeface="BIZ UDP明朝 Medium" panose="02020500000000000000" pitchFamily="18" charset="-128"/>
-              </a:rPr>
-              <a:t>NGW</a:t>
-            </a:r>
-            <a:r>
-              <a:rPr lang="ja-JP" altLang="en-US" b="0" i="0" dirty="0">
-                <a:solidFill>
-                  <a:srgbClr val="374151"/>
-                </a:solidFill>
-                <a:effectLst/>
-                <a:latin typeface="BIZ UDP明朝 Medium" panose="02020500000000000000" pitchFamily="18" charset="-128"/>
-                <a:ea typeface="BIZ UDP明朝 Medium" panose="02020500000000000000" pitchFamily="18" charset="-128"/>
-              </a:rPr>
-              <a:t>を経由してインターネットにアクセスすることができますが、</a:t>
-            </a:r>
-            <a:r>
-              <a:rPr lang="ja-JP" altLang="en-US" b="0" i="0" u="heavy" dirty="0">
-                <a:solidFill>
-                  <a:srgbClr val="374151"/>
-                </a:solidFill>
-                <a:effectLst/>
-                <a:uFill>
-                  <a:solidFill>
-                    <a:srgbClr val="F6882E"/>
-                  </a:solidFill>
-                </a:uFill>
-                <a:latin typeface="BIZ UDP明朝 Medium" panose="02020500000000000000" pitchFamily="18" charset="-128"/>
-                <a:ea typeface="BIZ UDP明朝 Medium" panose="02020500000000000000" pitchFamily="18" charset="-128"/>
-              </a:rPr>
-              <a:t>インターネットからプライベートサブネット内のインスタンスにアクセスすることはできません</a:t>
-            </a:r>
-            <a:r>
-              <a:rPr lang="ja-JP" altLang="en-US" b="0" i="0" dirty="0">
-                <a:solidFill>
-                  <a:srgbClr val="374151"/>
-                </a:solidFill>
-                <a:effectLst/>
-                <a:latin typeface="BIZ UDP明朝 Medium" panose="02020500000000000000" pitchFamily="18" charset="-128"/>
-                <a:ea typeface="BIZ UDP明朝 Medium" panose="02020500000000000000" pitchFamily="18" charset="-128"/>
-              </a:rPr>
-              <a:t>。</a:t>
-            </a:r>
-            <a:r>
-              <a:rPr lang="en-US" altLang="ja-JP" b="0" i="0" dirty="0">
-                <a:solidFill>
-                  <a:srgbClr val="374151"/>
-                </a:solidFill>
-                <a:effectLst/>
-                <a:latin typeface="BIZ UDP明朝 Medium" panose="02020500000000000000" pitchFamily="18" charset="-128"/>
-                <a:ea typeface="BIZ UDP明朝 Medium" panose="02020500000000000000" pitchFamily="18" charset="-128"/>
-              </a:rPr>
-              <a:t>NGW</a:t>
-            </a:r>
-            <a:r>
-              <a:rPr lang="ja-JP" altLang="en-US" b="0" i="0" dirty="0">
-                <a:solidFill>
-                  <a:srgbClr val="374151"/>
-                </a:solidFill>
-                <a:effectLst/>
-                <a:latin typeface="BIZ UDP明朝 Medium" panose="02020500000000000000" pitchFamily="18" charset="-128"/>
-                <a:ea typeface="BIZ UDP明朝 Medium" panose="02020500000000000000" pitchFamily="18" charset="-128"/>
-              </a:rPr>
-              <a:t>を使用することで、プライベートサブネット内のインスタンスからのインターネットアクセスを</a:t>
-            </a:r>
-            <a:r>
-              <a:rPr lang="ja-JP" altLang="en-US" b="0" i="0" u="heavy" dirty="0">
-                <a:solidFill>
-                  <a:srgbClr val="374151"/>
-                </a:solidFill>
-                <a:effectLst/>
-                <a:uFill>
-                  <a:solidFill>
-                    <a:srgbClr val="F6882E"/>
-                  </a:solidFill>
-                </a:uFill>
-                <a:latin typeface="BIZ UDP明朝 Medium" panose="02020500000000000000" pitchFamily="18" charset="-128"/>
-                <a:ea typeface="BIZ UDP明朝 Medium" panose="02020500000000000000" pitchFamily="18" charset="-128"/>
-              </a:rPr>
-              <a:t>より安全</a:t>
-            </a:r>
-            <a:r>
-              <a:rPr lang="ja-JP" altLang="en-US" b="0" i="0" dirty="0">
-                <a:solidFill>
-                  <a:srgbClr val="374151"/>
-                </a:solidFill>
-                <a:effectLst/>
-                <a:latin typeface="BIZ UDP明朝 Medium" panose="02020500000000000000" pitchFamily="18" charset="-128"/>
-                <a:ea typeface="BIZ UDP明朝 Medium" panose="02020500000000000000" pitchFamily="18" charset="-128"/>
-              </a:rPr>
-              <a:t>にすることができます。</a:t>
-            </a:r>
-            <a:r>
-              <a:rPr lang="ja-JP" altLang="en-US" i="0" dirty="0">
-                <a:solidFill>
-                  <a:schemeClr val="tx1"/>
-                </a:solidFill>
-                <a:latin typeface="BIZ UDP明朝 Medium" panose="02020500000000000000" pitchFamily="18" charset="-128"/>
-                <a:ea typeface="BIZ UDP明朝 Medium" panose="02020500000000000000" pitchFamily="18" charset="-128"/>
-              </a:rPr>
-              <a:t>　</a:t>
             </a:r>
             <a:endParaRPr lang="en-US" altLang="ja-JP" i="0" dirty="0">
               <a:solidFill>
@@ -18361,6 +18646,214 @@
                 <a:solidFill>
                   <a:srgbClr val="F6882E"/>
                 </a:solidFill>
+                <a:latin typeface="BIZ UDP明朝 Medium" panose="02020500000000000000" pitchFamily="18" charset="-128"/>
+                <a:ea typeface="BIZ UDP明朝 Medium" panose="02020500000000000000" pitchFamily="18" charset="-128"/>
+              </a:rPr>
+              <a:t>NGW</a:t>
+            </a:r>
+            <a:r>
+              <a:rPr lang="ja-JP" altLang="en-US" b="1" i="0" dirty="0">
+                <a:solidFill>
+                  <a:srgbClr val="F6882E"/>
+                </a:solidFill>
+                <a:latin typeface="BIZ UDP明朝 Medium" panose="02020500000000000000" pitchFamily="18" charset="-128"/>
+                <a:ea typeface="BIZ UDP明朝 Medium" panose="02020500000000000000" pitchFamily="18" charset="-128"/>
+              </a:rPr>
+              <a:t>（</a:t>
+            </a:r>
+            <a:r>
+              <a:rPr lang="en-US" altLang="ja-JP" b="1" i="0" dirty="0" err="1">
+                <a:solidFill>
+                  <a:srgbClr val="F6882E"/>
+                </a:solidFill>
+                <a:effectLst/>
+                <a:latin typeface="BIZ UDP明朝 Medium" panose="02020500000000000000" pitchFamily="18" charset="-128"/>
+                <a:ea typeface="BIZ UDP明朝 Medium" panose="02020500000000000000" pitchFamily="18" charset="-128"/>
+              </a:rPr>
+              <a:t>NatGateway</a:t>
+            </a:r>
+            <a:r>
+              <a:rPr lang="ja-JP" altLang="en-US" b="1" i="0" dirty="0">
+                <a:solidFill>
+                  <a:srgbClr val="F6882E"/>
+                </a:solidFill>
+                <a:effectLst/>
+                <a:latin typeface="BIZ UDP明朝 Medium" panose="02020500000000000000" pitchFamily="18" charset="-128"/>
+                <a:ea typeface="BIZ UDP明朝 Medium" panose="02020500000000000000" pitchFamily="18" charset="-128"/>
+              </a:rPr>
+              <a:t>）</a:t>
+            </a:r>
+            <a:r>
+              <a:rPr lang="ja-JP" altLang="en-US" b="0" i="0" dirty="0">
+                <a:solidFill>
+                  <a:srgbClr val="374151"/>
+                </a:solidFill>
+                <a:effectLst/>
+                <a:latin typeface="BIZ UDP明朝 Medium" panose="02020500000000000000" pitchFamily="18" charset="-128"/>
+                <a:ea typeface="BIZ UDP明朝 Medium" panose="02020500000000000000" pitchFamily="18" charset="-128"/>
+              </a:rPr>
+              <a:t>は</a:t>
+            </a:r>
+            <a:r>
+              <a:rPr lang="ja-JP" altLang="en-US" b="0" i="0" u="heavy" dirty="0">
+                <a:solidFill>
+                  <a:srgbClr val="374151"/>
+                </a:solidFill>
+                <a:effectLst/>
+                <a:uFill>
+                  <a:solidFill>
+                    <a:srgbClr val="F6882E"/>
+                  </a:solidFill>
+                </a:uFill>
+                <a:latin typeface="BIZ UDP明朝 Medium" panose="02020500000000000000" pitchFamily="18" charset="-128"/>
+                <a:ea typeface="BIZ UDP明朝 Medium" panose="02020500000000000000" pitchFamily="18" charset="-128"/>
+              </a:rPr>
+              <a:t>プライベートサブネット内のインスタンスからインターネットにアクセスするためのゲートウェイ</a:t>
+            </a:r>
+            <a:r>
+              <a:rPr lang="ja-JP" altLang="en-US" b="0" i="0" dirty="0">
+                <a:solidFill>
+                  <a:srgbClr val="374151"/>
+                </a:solidFill>
+                <a:effectLst/>
+                <a:latin typeface="BIZ UDP明朝 Medium" panose="02020500000000000000" pitchFamily="18" charset="-128"/>
+                <a:ea typeface="BIZ UDP明朝 Medium" panose="02020500000000000000" pitchFamily="18" charset="-128"/>
+              </a:rPr>
+              <a:t>を提供します。プライベートサブネット内のインスタンスは、</a:t>
+            </a:r>
+            <a:r>
+              <a:rPr lang="en-US" altLang="ja-JP" b="0" i="0" dirty="0">
+                <a:solidFill>
+                  <a:srgbClr val="374151"/>
+                </a:solidFill>
+                <a:effectLst/>
+                <a:latin typeface="BIZ UDP明朝 Medium" panose="02020500000000000000" pitchFamily="18" charset="-128"/>
+                <a:ea typeface="BIZ UDP明朝 Medium" panose="02020500000000000000" pitchFamily="18" charset="-128"/>
+              </a:rPr>
+              <a:t>NGW</a:t>
+            </a:r>
+            <a:r>
+              <a:rPr lang="ja-JP" altLang="en-US" b="0" i="0" dirty="0">
+                <a:solidFill>
+                  <a:srgbClr val="374151"/>
+                </a:solidFill>
+                <a:effectLst/>
+                <a:latin typeface="BIZ UDP明朝 Medium" panose="02020500000000000000" pitchFamily="18" charset="-128"/>
+                <a:ea typeface="BIZ UDP明朝 Medium" panose="02020500000000000000" pitchFamily="18" charset="-128"/>
+              </a:rPr>
+              <a:t>を経由してインターネットにアクセスすることができますが、</a:t>
+            </a:r>
+            <a:r>
+              <a:rPr lang="ja-JP" altLang="en-US" b="0" i="0" u="heavy" dirty="0">
+                <a:solidFill>
+                  <a:srgbClr val="374151"/>
+                </a:solidFill>
+                <a:effectLst/>
+                <a:uFill>
+                  <a:solidFill>
+                    <a:srgbClr val="F6882E"/>
+                  </a:solidFill>
+                </a:uFill>
+                <a:latin typeface="BIZ UDP明朝 Medium" panose="02020500000000000000" pitchFamily="18" charset="-128"/>
+                <a:ea typeface="BIZ UDP明朝 Medium" panose="02020500000000000000" pitchFamily="18" charset="-128"/>
+              </a:rPr>
+              <a:t>インターネットからプライベートサブネット内のインスタンスにアクセスすることはできません</a:t>
+            </a:r>
+            <a:r>
+              <a:rPr lang="ja-JP" altLang="en-US" b="0" i="0" dirty="0">
+                <a:solidFill>
+                  <a:srgbClr val="374151"/>
+                </a:solidFill>
+                <a:effectLst/>
+                <a:latin typeface="BIZ UDP明朝 Medium" panose="02020500000000000000" pitchFamily="18" charset="-128"/>
+                <a:ea typeface="BIZ UDP明朝 Medium" panose="02020500000000000000" pitchFamily="18" charset="-128"/>
+              </a:rPr>
+              <a:t>。</a:t>
+            </a:r>
+            <a:r>
+              <a:rPr lang="en-US" altLang="ja-JP" b="0" i="0" dirty="0">
+                <a:solidFill>
+                  <a:srgbClr val="374151"/>
+                </a:solidFill>
+                <a:effectLst/>
+                <a:latin typeface="BIZ UDP明朝 Medium" panose="02020500000000000000" pitchFamily="18" charset="-128"/>
+                <a:ea typeface="BIZ UDP明朝 Medium" panose="02020500000000000000" pitchFamily="18" charset="-128"/>
+              </a:rPr>
+              <a:t>NGW</a:t>
+            </a:r>
+            <a:r>
+              <a:rPr lang="ja-JP" altLang="en-US" b="0" i="0" dirty="0">
+                <a:solidFill>
+                  <a:srgbClr val="374151"/>
+                </a:solidFill>
+                <a:effectLst/>
+                <a:latin typeface="BIZ UDP明朝 Medium" panose="02020500000000000000" pitchFamily="18" charset="-128"/>
+                <a:ea typeface="BIZ UDP明朝 Medium" panose="02020500000000000000" pitchFamily="18" charset="-128"/>
+              </a:rPr>
+              <a:t>を使用することで、プライベートサブネット内のインスタンスからのインターネットアクセスを</a:t>
+            </a:r>
+            <a:r>
+              <a:rPr lang="ja-JP" altLang="en-US" b="0" i="0" u="heavy" dirty="0">
+                <a:solidFill>
+                  <a:srgbClr val="374151"/>
+                </a:solidFill>
+                <a:effectLst/>
+                <a:uFill>
+                  <a:solidFill>
+                    <a:srgbClr val="F6882E"/>
+                  </a:solidFill>
+                </a:uFill>
+                <a:latin typeface="BIZ UDP明朝 Medium" panose="02020500000000000000" pitchFamily="18" charset="-128"/>
+                <a:ea typeface="BIZ UDP明朝 Medium" panose="02020500000000000000" pitchFamily="18" charset="-128"/>
+              </a:rPr>
+              <a:t>より安全</a:t>
+            </a:r>
+            <a:r>
+              <a:rPr lang="ja-JP" altLang="en-US" b="0" i="0" dirty="0">
+                <a:solidFill>
+                  <a:srgbClr val="374151"/>
+                </a:solidFill>
+                <a:effectLst/>
+                <a:latin typeface="BIZ UDP明朝 Medium" panose="02020500000000000000" pitchFamily="18" charset="-128"/>
+                <a:ea typeface="BIZ UDP明朝 Medium" panose="02020500000000000000" pitchFamily="18" charset="-128"/>
+              </a:rPr>
+              <a:t>にすることができます。</a:t>
+            </a:r>
+            <a:r>
+              <a:rPr lang="ja-JP" altLang="en-US" i="0" dirty="0">
+                <a:solidFill>
+                  <a:schemeClr val="tx1"/>
+                </a:solidFill>
+                <a:latin typeface="BIZ UDP明朝 Medium" panose="02020500000000000000" pitchFamily="18" charset="-128"/>
+                <a:ea typeface="BIZ UDP明朝 Medium" panose="02020500000000000000" pitchFamily="18" charset="-128"/>
+              </a:rPr>
+              <a:t>　</a:t>
+            </a:r>
+            <a:endParaRPr lang="en-US" altLang="ja-JP" i="0" dirty="0">
+              <a:solidFill>
+                <a:schemeClr val="tx1"/>
+              </a:solidFill>
+              <a:latin typeface="BIZ UDP明朝 Medium" panose="02020500000000000000" pitchFamily="18" charset="-128"/>
+              <a:ea typeface="BIZ UDP明朝 Medium" panose="02020500000000000000" pitchFamily="18" charset="-128"/>
+            </a:endParaRPr>
+          </a:p>
+          <a:p>
+            <a:pPr marL="0" indent="0"/>
+            <a:r>
+              <a:rPr lang="ja-JP" altLang="en-US" i="0" dirty="0">
+                <a:solidFill>
+                  <a:schemeClr val="tx1"/>
+                </a:solidFill>
+                <a:latin typeface="BIZ UDP明朝 Medium" panose="02020500000000000000" pitchFamily="18" charset="-128"/>
+                <a:ea typeface="BIZ UDP明朝 Medium" panose="02020500000000000000" pitchFamily="18" charset="-128"/>
+              </a:rPr>
+              <a:t>　</a:t>
+            </a:r>
+            <a:r>
+              <a:rPr lang="en-US" altLang="ja-JP" b="1" i="0" dirty="0">
+                <a:solidFill>
+                  <a:srgbClr val="F6882E"/>
+                </a:solidFill>
                 <a:effectLst/>
                 <a:latin typeface="BIZ UDP明朝 Medium" panose="02020500000000000000" pitchFamily="18" charset="-128"/>
                 <a:ea typeface="BIZ UDP明朝 Medium" panose="02020500000000000000" pitchFamily="18" charset="-128"/>
@@ -18584,6 +19077,58 @@
           </a:p>
           <a:p>
             <a:pPr marL="0" indent="0"/>
+            <a:endParaRPr lang="en-US" altLang="ja-JP" i="0" dirty="0">
+              <a:solidFill>
+                <a:srgbClr val="374151"/>
+              </a:solidFill>
+              <a:latin typeface="BIZ UDP明朝 Medium" panose="02020500000000000000" pitchFamily="18" charset="-128"/>
+              <a:ea typeface="BIZ UDP明朝 Medium" panose="02020500000000000000" pitchFamily="18" charset="-128"/>
+            </a:endParaRPr>
+          </a:p>
+          <a:p>
+            <a:pPr marL="0" indent="0"/>
+            <a:r>
+              <a:rPr lang="ja-JP" altLang="en-US" i="0" dirty="0">
+                <a:solidFill>
+                  <a:srgbClr val="374151"/>
+                </a:solidFill>
+                <a:latin typeface="BIZ UDP明朝 Medium" panose="02020500000000000000" pitchFamily="18" charset="-128"/>
+                <a:ea typeface="BIZ UDP明朝 Medium" panose="02020500000000000000" pitchFamily="18" charset="-128"/>
+              </a:rPr>
+              <a:t>・</a:t>
+            </a:r>
+            <a:r>
+              <a:rPr lang="en-US" altLang="ja-JP" b="1" i="0" dirty="0">
+                <a:solidFill>
+                  <a:srgbClr val="F6882E"/>
+                </a:solidFill>
+                <a:effectLst/>
+                <a:latin typeface="BIZ UDP明朝 Medium" panose="02020500000000000000" pitchFamily="18" charset="-128"/>
+                <a:ea typeface="BIZ UDP明朝 Medium" panose="02020500000000000000" pitchFamily="18" charset="-128"/>
+              </a:rPr>
+              <a:t> </a:t>
+            </a:r>
+            <a:r>
+              <a:rPr lang="en-US" altLang="ja-JP" b="1" i="0" dirty="0" err="1">
+                <a:solidFill>
+                  <a:srgbClr val="F6882E"/>
+                </a:solidFill>
+                <a:effectLst/>
+                <a:latin typeface="BIZ UDP明朝 Medium" panose="02020500000000000000" pitchFamily="18" charset="-128"/>
+                <a:ea typeface="BIZ UDP明朝 Medium" panose="02020500000000000000" pitchFamily="18" charset="-128"/>
+              </a:rPr>
+              <a:t>ElasticIP</a:t>
+            </a:r>
+            <a:endParaRPr lang="en-US" altLang="ja-JP" i="0" dirty="0">
+              <a:solidFill>
+                <a:srgbClr val="374151"/>
+              </a:solidFill>
+              <a:latin typeface="BIZ UDP明朝 Medium" panose="02020500000000000000" pitchFamily="18" charset="-128"/>
+              <a:ea typeface="BIZ UDP明朝 Medium" panose="02020500000000000000" pitchFamily="18" charset="-128"/>
+            </a:endParaRPr>
+          </a:p>
+          <a:p>
+            <a:pPr marL="0" indent="0"/>
             <a:r>
               <a:rPr lang="ja-JP" altLang="en-US" b="1" i="0" dirty="0">
                 <a:solidFill>
@@ -18638,13 +19183,24 @@
             <a:r>
               <a:rPr lang="ja-JP" altLang="en-US" i="0" dirty="0">
                 <a:solidFill>
+                  <a:schemeClr val="tx1"/>
+                </a:solidFill>
+                <a:effectLst/>
+                <a:latin typeface="BIZ UDP明朝 Medium" panose="02020500000000000000" pitchFamily="18" charset="-128"/>
+                <a:ea typeface="BIZ UDP明朝 Medium" panose="02020500000000000000" pitchFamily="18" charset="-128"/>
+              </a:rPr>
+              <a:t>は</a:t>
+            </a:r>
+            <a:r>
+              <a:rPr lang="ja-JP" altLang="en-US" i="0" dirty="0">
+                <a:solidFill>
                   <a:srgbClr val="222222"/>
                 </a:solidFill>
                 <a:effectLst/>
                 <a:latin typeface="BIZ UDP明朝 Medium" panose="02020500000000000000" pitchFamily="18" charset="-128"/>
                 <a:ea typeface="BIZ UDP明朝 Medium" panose="02020500000000000000" pitchFamily="18" charset="-128"/>
               </a:rPr>
-              <a:t>は、</a:t>
+              <a:t>、</a:t>
             </a:r>
             <a:r>
               <a:rPr lang="ja-JP" altLang="en-US" i="0" u="heavy" dirty="0">
@@ -19026,8 +19582,8 @@
         </p:blipFill>
         <p:spPr>
           <a:xfrm>
-            <a:off x="3034912" y="3586648"/>
-            <a:ext cx="3074175" cy="3271352"/>
+            <a:off x="2915816" y="4482576"/>
+            <a:ext cx="2232248" cy="2375424"/>
           </a:xfrm>
           <a:prstGeom prst="rect">
             <a:avLst/>
@@ -21102,8 +21658,8 @@
         </p:blipFill>
         <p:spPr>
           <a:xfrm>
-            <a:off x="1514912" y="4319432"/>
-            <a:ext cx="2265000" cy="2457343"/>
+            <a:off x="1475656" y="4276842"/>
+            <a:ext cx="2304256" cy="2499933"/>
           </a:xfrm>
           <a:prstGeom prst="rect">
             <a:avLst/>
@@ -21650,7 +22206,7 @@
         <p:spPr>
           <a:xfrm>
             <a:off x="395536" y="1124743"/>
-            <a:ext cx="8402525" cy="5423481"/>
+            <a:ext cx="8402525" cy="5733257"/>
           </a:xfrm>
           <a:solidFill>
             <a:schemeClr val="bg1"/>
@@ -21658,7 +22214,7 @@
         </p:spPr>
         <p:txBody>
           <a:bodyPr>
-            <a:normAutofit lnSpcReduction="10000"/>
+            <a:normAutofit/>
           </a:bodyPr>
           <a:lstStyle/>
           <a:p>
@@ -22036,6 +22592,211 @@
           </a:p>
           <a:p>
             <a:pPr marL="0" indent="0"/>
+            <a:endParaRPr lang="en-US" altLang="ja-JP" dirty="0">
+              <a:solidFill>
+                <a:srgbClr val="00B050"/>
+              </a:solidFill>
+              <a:latin typeface="BIZ UDP明朝 Medium" panose="02020500000000000000" pitchFamily="18" charset="-128"/>
+              <a:ea typeface="BIZ UDP明朝 Medium" panose="02020500000000000000" pitchFamily="18" charset="-128"/>
+            </a:endParaRPr>
+          </a:p>
+          <a:p>
+            <a:pPr marL="0" indent="0"/>
+            <a:endParaRPr lang="en-US" altLang="ja-JP" i="0" dirty="0">
+              <a:solidFill>
+                <a:srgbClr val="333333"/>
+              </a:solidFill>
+              <a:effectLst/>
+              <a:latin typeface="BIZ UDP明朝 Medium" panose="02020500000000000000" pitchFamily="18" charset="-128"/>
+              <a:ea typeface="BIZ UDP明朝 Medium" panose="02020500000000000000" pitchFamily="18" charset="-128"/>
+            </a:endParaRPr>
+          </a:p>
+          <a:p>
+            <a:pPr marL="0" indent="0"/>
+            <a:r>
+              <a:rPr lang="ja-JP" altLang="en-US" i="0" dirty="0">
+                <a:solidFill>
+                  <a:srgbClr val="333333"/>
+                </a:solidFill>
+                <a:effectLst/>
+                <a:latin typeface="BIZ UDP明朝 Medium" panose="02020500000000000000" pitchFamily="18" charset="-128"/>
+                <a:ea typeface="BIZ UDP明朝 Medium" panose="02020500000000000000" pitchFamily="18" charset="-128"/>
+              </a:rPr>
+              <a:t>ダウンロード（</a:t>
+            </a:r>
+            <a:r>
+              <a:rPr lang="en-US" altLang="ja-JP" i="0" dirty="0">
+                <a:solidFill>
+                  <a:srgbClr val="333333"/>
+                </a:solidFill>
+                <a:effectLst/>
+                <a:latin typeface="BIZ UDP明朝 Medium" panose="02020500000000000000" pitchFamily="18" charset="-128"/>
+                <a:ea typeface="BIZ UDP明朝 Medium" panose="02020500000000000000" pitchFamily="18" charset="-128"/>
+              </a:rPr>
+              <a:t>EC2</a:t>
+            </a:r>
+            <a:r>
+              <a:rPr lang="ja-JP" altLang="en-US" i="0" dirty="0">
+                <a:solidFill>
+                  <a:srgbClr val="333333"/>
+                </a:solidFill>
+                <a:effectLst/>
+                <a:latin typeface="BIZ UDP明朝 Medium" panose="02020500000000000000" pitchFamily="18" charset="-128"/>
+                <a:ea typeface="BIZ UDP明朝 Medium" panose="02020500000000000000" pitchFamily="18" charset="-128"/>
+              </a:rPr>
+              <a:t>からローカル）</a:t>
+            </a:r>
+            <a:endParaRPr lang="en-US" altLang="ja-JP" i="0" dirty="0">
+              <a:solidFill>
+                <a:srgbClr val="333333"/>
+              </a:solidFill>
+              <a:effectLst/>
+              <a:latin typeface="BIZ UDP明朝 Medium" panose="02020500000000000000" pitchFamily="18" charset="-128"/>
+              <a:ea typeface="BIZ UDP明朝 Medium" panose="02020500000000000000" pitchFamily="18" charset="-128"/>
+            </a:endParaRPr>
+          </a:p>
+          <a:p>
+            <a:pPr marL="0" indent="0"/>
+            <a:r>
+              <a:rPr lang="en-US" altLang="ja-JP" dirty="0">
+                <a:solidFill>
+                  <a:srgbClr val="00B050"/>
+                </a:solidFill>
+                <a:latin typeface="BIZ UDP明朝 Medium" panose="02020500000000000000" pitchFamily="18" charset="-128"/>
+                <a:ea typeface="BIZ UDP明朝 Medium" panose="02020500000000000000" pitchFamily="18" charset="-128"/>
+              </a:rPr>
+              <a:t>SCP –</a:t>
+            </a:r>
+            <a:r>
+              <a:rPr lang="en-US" altLang="ja-JP" dirty="0" err="1">
+                <a:solidFill>
+                  <a:srgbClr val="00B050"/>
+                </a:solidFill>
+                <a:latin typeface="BIZ UDP明朝 Medium" panose="02020500000000000000" pitchFamily="18" charset="-128"/>
+                <a:ea typeface="BIZ UDP明朝 Medium" panose="02020500000000000000" pitchFamily="18" charset="-128"/>
+              </a:rPr>
+              <a:t>i</a:t>
+            </a:r>
+            <a:r>
+              <a:rPr lang="en-US" altLang="ja-JP" dirty="0">
+                <a:solidFill>
+                  <a:srgbClr val="00B050"/>
+                </a:solidFill>
+                <a:latin typeface="BIZ UDP明朝 Medium" panose="02020500000000000000" pitchFamily="18" charset="-128"/>
+                <a:ea typeface="BIZ UDP明朝 Medium" panose="02020500000000000000" pitchFamily="18" charset="-128"/>
+              </a:rPr>
+              <a:t> [SSH</a:t>
+            </a:r>
+            <a:r>
+              <a:rPr lang="ja-JP" altLang="en-US" dirty="0">
+                <a:solidFill>
+                  <a:srgbClr val="00B050"/>
+                </a:solidFill>
+                <a:latin typeface="BIZ UDP明朝 Medium" panose="02020500000000000000" pitchFamily="18" charset="-128"/>
+                <a:ea typeface="BIZ UDP明朝 Medium" panose="02020500000000000000" pitchFamily="18" charset="-128"/>
+              </a:rPr>
+              <a:t>鍵</a:t>
+            </a:r>
+            <a:r>
+              <a:rPr lang="en-US" altLang="ja-JP" dirty="0">
+                <a:solidFill>
+                  <a:srgbClr val="00B050"/>
+                </a:solidFill>
+                <a:latin typeface="BIZ UDP明朝 Medium" panose="02020500000000000000" pitchFamily="18" charset="-128"/>
+                <a:ea typeface="BIZ UDP明朝 Medium" panose="02020500000000000000" pitchFamily="18" charset="-128"/>
+              </a:rPr>
+              <a:t>]</a:t>
+            </a:r>
+            <a:r>
+              <a:rPr lang="ja-JP" altLang="en-US" dirty="0">
+                <a:solidFill>
+                  <a:srgbClr val="00B050"/>
+                </a:solidFill>
+                <a:latin typeface="BIZ UDP明朝 Medium" panose="02020500000000000000" pitchFamily="18" charset="-128"/>
+                <a:ea typeface="BIZ UDP明朝 Medium" panose="02020500000000000000" pitchFamily="18" charset="-128"/>
+              </a:rPr>
+              <a:t> </a:t>
+            </a:r>
+            <a:r>
+              <a:rPr lang="en-US" altLang="ja-JP" dirty="0">
+                <a:solidFill>
+                  <a:srgbClr val="00B050"/>
+                </a:solidFill>
+                <a:latin typeface="BIZ UDP明朝 Medium" panose="02020500000000000000" pitchFamily="18" charset="-128"/>
+                <a:ea typeface="BIZ UDP明朝 Medium" panose="02020500000000000000" pitchFamily="18" charset="-128"/>
+              </a:rPr>
+              <a:t>[EC2</a:t>
+            </a:r>
+            <a:r>
+              <a:rPr lang="ja-JP" altLang="en-US" dirty="0">
+                <a:solidFill>
+                  <a:srgbClr val="00B050"/>
+                </a:solidFill>
+                <a:latin typeface="BIZ UDP明朝 Medium" panose="02020500000000000000" pitchFamily="18" charset="-128"/>
+                <a:ea typeface="BIZ UDP明朝 Medium" panose="02020500000000000000" pitchFamily="18" charset="-128"/>
+              </a:rPr>
+              <a:t>接続</a:t>
+            </a:r>
+            <a:r>
+              <a:rPr lang="en-US" altLang="ja-JP" dirty="0">
+                <a:solidFill>
+                  <a:srgbClr val="00B050"/>
+                </a:solidFill>
+                <a:latin typeface="BIZ UDP明朝 Medium" panose="02020500000000000000" pitchFamily="18" charset="-128"/>
+                <a:ea typeface="BIZ UDP明朝 Medium" panose="02020500000000000000" pitchFamily="18" charset="-128"/>
+              </a:rPr>
+              <a:t>DNS:EC2</a:t>
+            </a:r>
+            <a:r>
+              <a:rPr lang="ja-JP" altLang="en-US" dirty="0">
+                <a:solidFill>
+                  <a:srgbClr val="00B050"/>
+                </a:solidFill>
+                <a:latin typeface="BIZ UDP明朝 Medium" panose="02020500000000000000" pitchFamily="18" charset="-128"/>
+                <a:ea typeface="BIZ UDP明朝 Medium" panose="02020500000000000000" pitchFamily="18" charset="-128"/>
+              </a:rPr>
+              <a:t>内のダウンロード先のパス</a:t>
+            </a:r>
+            <a:r>
+              <a:rPr lang="en-US" altLang="ja-JP" dirty="0">
+                <a:solidFill>
+                  <a:srgbClr val="00B050"/>
+                </a:solidFill>
+                <a:latin typeface="BIZ UDP明朝 Medium" panose="02020500000000000000" pitchFamily="18" charset="-128"/>
+                <a:ea typeface="BIZ UDP明朝 Medium" panose="02020500000000000000" pitchFamily="18" charset="-128"/>
+              </a:rPr>
+              <a:t>] [</a:t>
+            </a:r>
+            <a:r>
+              <a:rPr lang="ja-JP" altLang="en-US" dirty="0">
+                <a:solidFill>
+                  <a:srgbClr val="00B050"/>
+                </a:solidFill>
+                <a:latin typeface="BIZ UDP明朝 Medium" panose="02020500000000000000" pitchFamily="18" charset="-128"/>
+                <a:ea typeface="BIZ UDP明朝 Medium" panose="02020500000000000000" pitchFamily="18" charset="-128"/>
+              </a:rPr>
+              <a:t>ダウンロード先のパス</a:t>
+            </a:r>
+            <a:r>
+              <a:rPr lang="en-US" altLang="ja-JP" dirty="0">
+                <a:solidFill>
+                  <a:srgbClr val="00B050"/>
+                </a:solidFill>
+                <a:latin typeface="BIZ UDP明朝 Medium" panose="02020500000000000000" pitchFamily="18" charset="-128"/>
+                <a:ea typeface="BIZ UDP明朝 Medium" panose="02020500000000000000" pitchFamily="18" charset="-128"/>
+              </a:rPr>
+              <a:t>]</a:t>
+            </a:r>
+            <a:r>
+              <a:rPr lang="ja-JP" altLang="en-US" dirty="0">
+                <a:solidFill>
+                  <a:srgbClr val="00B050"/>
+                </a:solidFill>
+                <a:latin typeface="BIZ UDP明朝 Medium" panose="02020500000000000000" pitchFamily="18" charset="-128"/>
+                <a:ea typeface="BIZ UDP明朝 Medium" panose="02020500000000000000" pitchFamily="18" charset="-128"/>
+              </a:rPr>
+              <a:t> </a:t>
+            </a:r>
             <a:endParaRPr lang="en-US" altLang="ja-JP" dirty="0">
               <a:solidFill>
                 <a:srgbClr val="00B050"/>
@@ -22068,233 +22829,7 @@
           <a:p>
             <a:pPr marL="0" indent="0"/>
             <a:r>
-              <a:rPr lang="ja-JP" altLang="en-US" i="0" dirty="0">
-                <a:solidFill>
-                  <a:srgbClr val="333333"/>
-                </a:solidFill>
-                <a:effectLst/>
-                <a:latin typeface="BIZ UDP明朝 Medium" panose="02020500000000000000" pitchFamily="18" charset="-128"/>
-                <a:ea typeface="BIZ UDP明朝 Medium" panose="02020500000000000000" pitchFamily="18" charset="-128"/>
-              </a:rPr>
-              <a:t>ダウンロード（</a:t>
-            </a:r>
-            <a:r>
-              <a:rPr lang="en-US" altLang="ja-JP" i="0" dirty="0">
-                <a:solidFill>
-                  <a:srgbClr val="333333"/>
-                </a:solidFill>
-                <a:effectLst/>
-                <a:latin typeface="BIZ UDP明朝 Medium" panose="02020500000000000000" pitchFamily="18" charset="-128"/>
-                <a:ea typeface="BIZ UDP明朝 Medium" panose="02020500000000000000" pitchFamily="18" charset="-128"/>
-              </a:rPr>
-              <a:t>EC2</a:t>
-            </a:r>
-            <a:r>
-              <a:rPr lang="ja-JP" altLang="en-US" i="0" dirty="0">
-                <a:solidFill>
-                  <a:srgbClr val="333333"/>
-                </a:solidFill>
-                <a:effectLst/>
-                <a:latin typeface="BIZ UDP明朝 Medium" panose="02020500000000000000" pitchFamily="18" charset="-128"/>
-                <a:ea typeface="BIZ UDP明朝 Medium" panose="02020500000000000000" pitchFamily="18" charset="-128"/>
-              </a:rPr>
-              <a:t>からローカル）</a:t>
-            </a:r>
-            <a:endParaRPr lang="en-US" altLang="ja-JP" i="0" dirty="0">
-              <a:solidFill>
-                <a:srgbClr val="333333"/>
-              </a:solidFill>
-              <a:effectLst/>
-              <a:latin typeface="BIZ UDP明朝 Medium" panose="02020500000000000000" pitchFamily="18" charset="-128"/>
-              <a:ea typeface="BIZ UDP明朝 Medium" panose="02020500000000000000" pitchFamily="18" charset="-128"/>
-            </a:endParaRPr>
-          </a:p>
-          <a:p>
-            <a:pPr marL="0" indent="0"/>
-            <a:r>
-              <a:rPr lang="en-US" altLang="ja-JP" dirty="0">
-                <a:solidFill>
-                  <a:srgbClr val="00B050"/>
-                </a:solidFill>
-                <a:latin typeface="BIZ UDP明朝 Medium" panose="02020500000000000000" pitchFamily="18" charset="-128"/>
-                <a:ea typeface="BIZ UDP明朝 Medium" panose="02020500000000000000" pitchFamily="18" charset="-128"/>
-              </a:rPr>
-              <a:t>SCP –</a:t>
-            </a:r>
-            <a:r>
-              <a:rPr lang="en-US" altLang="ja-JP" dirty="0" err="1">
-                <a:solidFill>
-                  <a:srgbClr val="00B050"/>
-                </a:solidFill>
-                <a:latin typeface="BIZ UDP明朝 Medium" panose="02020500000000000000" pitchFamily="18" charset="-128"/>
-                <a:ea typeface="BIZ UDP明朝 Medium" panose="02020500000000000000" pitchFamily="18" charset="-128"/>
-              </a:rPr>
-              <a:t>i</a:t>
-            </a:r>
-            <a:r>
-              <a:rPr lang="en-US" altLang="ja-JP" dirty="0">
-                <a:solidFill>
-                  <a:srgbClr val="00B050"/>
-                </a:solidFill>
-                <a:latin typeface="BIZ UDP明朝 Medium" panose="02020500000000000000" pitchFamily="18" charset="-128"/>
-                <a:ea typeface="BIZ UDP明朝 Medium" panose="02020500000000000000" pitchFamily="18" charset="-128"/>
-              </a:rPr>
-              <a:t> [SSH</a:t>
-            </a:r>
-            <a:r>
-              <a:rPr lang="ja-JP" altLang="en-US" dirty="0">
-                <a:solidFill>
-                  <a:srgbClr val="00B050"/>
-                </a:solidFill>
-                <a:latin typeface="BIZ UDP明朝 Medium" panose="02020500000000000000" pitchFamily="18" charset="-128"/>
-                <a:ea typeface="BIZ UDP明朝 Medium" panose="02020500000000000000" pitchFamily="18" charset="-128"/>
-              </a:rPr>
-              <a:t>鍵</a:t>
-            </a:r>
-            <a:r>
-              <a:rPr lang="en-US" altLang="ja-JP" dirty="0">
-                <a:solidFill>
-                  <a:srgbClr val="00B050"/>
-                </a:solidFill>
-                <a:latin typeface="BIZ UDP明朝 Medium" panose="02020500000000000000" pitchFamily="18" charset="-128"/>
-                <a:ea typeface="BIZ UDP明朝 Medium" panose="02020500000000000000" pitchFamily="18" charset="-128"/>
-              </a:rPr>
-              <a:t>]</a:t>
-            </a:r>
-            <a:r>
-              <a:rPr lang="ja-JP" altLang="en-US" dirty="0">
-                <a:solidFill>
-                  <a:srgbClr val="00B050"/>
-                </a:solidFill>
-                <a:latin typeface="BIZ UDP明朝 Medium" panose="02020500000000000000" pitchFamily="18" charset="-128"/>
-                <a:ea typeface="BIZ UDP明朝 Medium" panose="02020500000000000000" pitchFamily="18" charset="-128"/>
-              </a:rPr>
-              <a:t> </a:t>
-            </a:r>
-            <a:r>
-              <a:rPr lang="en-US" altLang="ja-JP" dirty="0">
-                <a:solidFill>
-                  <a:srgbClr val="00B050"/>
-                </a:solidFill>
-                <a:latin typeface="BIZ UDP明朝 Medium" panose="02020500000000000000" pitchFamily="18" charset="-128"/>
-                <a:ea typeface="BIZ UDP明朝 Medium" panose="02020500000000000000" pitchFamily="18" charset="-128"/>
-              </a:rPr>
-              <a:t>[EC2</a:t>
-            </a:r>
-            <a:r>
-              <a:rPr lang="ja-JP" altLang="en-US" dirty="0">
-                <a:solidFill>
-                  <a:srgbClr val="00B050"/>
-                </a:solidFill>
-                <a:latin typeface="BIZ UDP明朝 Medium" panose="02020500000000000000" pitchFamily="18" charset="-128"/>
-                <a:ea typeface="BIZ UDP明朝 Medium" panose="02020500000000000000" pitchFamily="18" charset="-128"/>
-              </a:rPr>
-              <a:t>接続</a:t>
-            </a:r>
-            <a:r>
-              <a:rPr lang="en-US" altLang="ja-JP" dirty="0">
-                <a:solidFill>
-                  <a:srgbClr val="00B050"/>
-                </a:solidFill>
-                <a:latin typeface="BIZ UDP明朝 Medium" panose="02020500000000000000" pitchFamily="18" charset="-128"/>
-                <a:ea typeface="BIZ UDP明朝 Medium" panose="02020500000000000000" pitchFamily="18" charset="-128"/>
-              </a:rPr>
-              <a:t>DNS:EC2</a:t>
-            </a:r>
-            <a:r>
-              <a:rPr lang="ja-JP" altLang="en-US" dirty="0">
-                <a:solidFill>
-                  <a:srgbClr val="00B050"/>
-                </a:solidFill>
-                <a:latin typeface="BIZ UDP明朝 Medium" panose="02020500000000000000" pitchFamily="18" charset="-128"/>
-                <a:ea typeface="BIZ UDP明朝 Medium" panose="02020500000000000000" pitchFamily="18" charset="-128"/>
-              </a:rPr>
-              <a:t>内のダウンロード先のパス</a:t>
-            </a:r>
-            <a:r>
-              <a:rPr lang="en-US" altLang="ja-JP" dirty="0">
-                <a:solidFill>
-                  <a:srgbClr val="00B050"/>
-                </a:solidFill>
-                <a:latin typeface="BIZ UDP明朝 Medium" panose="02020500000000000000" pitchFamily="18" charset="-128"/>
-                <a:ea typeface="BIZ UDP明朝 Medium" panose="02020500000000000000" pitchFamily="18" charset="-128"/>
-              </a:rPr>
-              <a:t>] [</a:t>
-            </a:r>
-            <a:r>
-              <a:rPr lang="ja-JP" altLang="en-US" dirty="0">
-                <a:solidFill>
-                  <a:srgbClr val="00B050"/>
-                </a:solidFill>
-                <a:latin typeface="BIZ UDP明朝 Medium" panose="02020500000000000000" pitchFamily="18" charset="-128"/>
-                <a:ea typeface="BIZ UDP明朝 Medium" panose="02020500000000000000" pitchFamily="18" charset="-128"/>
-              </a:rPr>
-              <a:t>ダウンロード先のパス</a:t>
-            </a:r>
-            <a:r>
-              <a:rPr lang="en-US" altLang="ja-JP" dirty="0">
-                <a:solidFill>
-                  <a:srgbClr val="00B050"/>
-                </a:solidFill>
-                <a:latin typeface="BIZ UDP明朝 Medium" panose="02020500000000000000" pitchFamily="18" charset="-128"/>
-                <a:ea typeface="BIZ UDP明朝 Medium" panose="02020500000000000000" pitchFamily="18" charset="-128"/>
-              </a:rPr>
-              <a:t>]</a:t>
-            </a:r>
-            <a:r>
-              <a:rPr lang="ja-JP" altLang="en-US" dirty="0">
-                <a:solidFill>
-                  <a:srgbClr val="00B050"/>
-                </a:solidFill>
-                <a:latin typeface="BIZ UDP明朝 Medium" panose="02020500000000000000" pitchFamily="18" charset="-128"/>
-                <a:ea typeface="BIZ UDP明朝 Medium" panose="02020500000000000000" pitchFamily="18" charset="-128"/>
-              </a:rPr>
-              <a:t> </a:t>
-            </a:r>
-            <a:endParaRPr lang="en-US" altLang="ja-JP" dirty="0">
-              <a:solidFill>
-                <a:srgbClr val="00B050"/>
-              </a:solidFill>
-              <a:latin typeface="BIZ UDP明朝 Medium" panose="02020500000000000000" pitchFamily="18" charset="-128"/>
-              <a:ea typeface="BIZ UDP明朝 Medium" panose="02020500000000000000" pitchFamily="18" charset="-128"/>
-            </a:endParaRPr>
-          </a:p>
-          <a:p>
-            <a:pPr marL="0" indent="0"/>
-            <a:endParaRPr lang="en-US" altLang="ja-JP" i="0" dirty="0">
-              <a:solidFill>
-                <a:srgbClr val="333333"/>
-              </a:solidFill>
-              <a:effectLst/>
-              <a:latin typeface="BIZ UDP明朝 Medium" panose="02020500000000000000" pitchFamily="18" charset="-128"/>
-              <a:ea typeface="BIZ UDP明朝 Medium" panose="02020500000000000000" pitchFamily="18" charset="-128"/>
-            </a:endParaRPr>
-          </a:p>
-          <a:p>
-            <a:pPr marL="0" indent="0"/>
-            <a:endParaRPr lang="en-US" altLang="ja-JP" i="0" dirty="0">
-              <a:solidFill>
-                <a:srgbClr val="333333"/>
-              </a:solidFill>
-              <a:latin typeface="BIZ UDP明朝 Medium" panose="02020500000000000000" pitchFamily="18" charset="-128"/>
-              <a:ea typeface="BIZ UDP明朝 Medium" panose="02020500000000000000" pitchFamily="18" charset="-128"/>
-            </a:endParaRPr>
-          </a:p>
-          <a:p>
-            <a:pPr marL="0" indent="0"/>
-            <a:endParaRPr lang="en-US" altLang="ja-JP" i="0" dirty="0">
-              <a:solidFill>
-                <a:srgbClr val="333333"/>
-              </a:solidFill>
-              <a:effectLst/>
-              <a:latin typeface="BIZ UDP明朝 Medium" panose="02020500000000000000" pitchFamily="18" charset="-128"/>
-              <a:ea typeface="BIZ UDP明朝 Medium" panose="02020500000000000000" pitchFamily="18" charset="-128"/>
-            </a:endParaRPr>
-          </a:p>
-          <a:p>
-            <a:pPr marL="0" indent="0"/>
-            <a:r>
-              <a:rPr lang="ja-JP" altLang="en-US" i="0" dirty="0">
+              <a:rPr lang="ja-JP" altLang="en-US" i="0">
                 <a:solidFill>
                   <a:srgbClr val="333333"/>
                 </a:solidFill>
@@ -22900,7 +23435,7 @@
         </p:blipFill>
         <p:spPr>
           <a:xfrm>
-            <a:off x="395536" y="2790475"/>
+            <a:off x="395536" y="2867054"/>
             <a:ext cx="8351103" cy="370031"/>
           </a:xfrm>
           <a:prstGeom prst="rect">
@@ -22922,7 +23457,7 @@
         </p:nvSpPr>
         <p:spPr>
           <a:xfrm>
-            <a:off x="507429" y="3219607"/>
+            <a:off x="421843" y="2867054"/>
             <a:ext cx="7437410" cy="584775"/>
           </a:xfrm>
           <a:prstGeom prst="rect">
